--- a/Assignment 2 analysis.pptx
+++ b/Assignment 2 analysis.pptx
@@ -12,6 +12,7 @@
     <p:sldId id="260" r:id="rId6"/>
     <p:sldId id="261" r:id="rId7"/>
     <p:sldId id="262" r:id="rId8"/>
+    <p:sldId id="263" r:id="rId9"/>
   </p:sldIdLst>
   <p:sldSz cx="12192000" cy="6858000"/>
   <p:notesSz cx="6858000" cy="9144000"/>
@@ -110,6 +111,11 @@
       </a:defRPr>
     </a:lvl9pPr>
   </p:defaultTextStyle>
+  <p:extLst>
+    <p:ext uri="{EFAFB233-063F-42B5-8137-9DF3F51BA10A}">
+      <p15:sldGuideLst xmlns:p15="http://schemas.microsoft.com/office/powerpoint/2012/main"/>
+    </p:ext>
+  </p:extLst>
 </p:presentation>
 </file>
 
@@ -358,6 +364,1218 @@
           </a:p>
         </c:txPr>
         <c:crossAx val="546642208"/>
+        <c:crosses val="autoZero"/>
+        <c:crossBetween val="between"/>
+      </c:valAx>
+      <c:spPr>
+        <a:noFill/>
+        <a:ln>
+          <a:noFill/>
+        </a:ln>
+        <a:effectLst/>
+      </c:spPr>
+    </c:plotArea>
+    <c:legend>
+      <c:legendPos val="b"/>
+      <c:overlay val="0"/>
+      <c:spPr>
+        <a:noFill/>
+        <a:ln>
+          <a:noFill/>
+        </a:ln>
+        <a:effectLst/>
+      </c:spPr>
+      <c:txPr>
+        <a:bodyPr rot="0" spcFirstLastPara="1" vertOverflow="ellipsis" vert="horz" wrap="square" anchor="ctr" anchorCtr="1"/>
+        <a:lstStyle/>
+        <a:p>
+          <a:pPr>
+            <a:defRPr sz="1197" b="0" i="0" u="none" strike="noStrike" kern="1200" baseline="0">
+              <a:solidFill>
+                <a:schemeClr val="tx1">
+                  <a:lumMod val="65000"/>
+                  <a:lumOff val="35000"/>
+                </a:schemeClr>
+              </a:solidFill>
+              <a:latin typeface="+mn-lt"/>
+              <a:ea typeface="+mn-ea"/>
+              <a:cs typeface="+mn-cs"/>
+            </a:defRPr>
+          </a:pPr>
+          <a:endParaRPr lang="en-US"/>
+        </a:p>
+      </c:txPr>
+    </c:legend>
+    <c:plotVisOnly val="1"/>
+    <c:dispBlanksAs val="gap"/>
+    <c:extLst>
+      <c:ext xmlns:c16r3="http://schemas.microsoft.com/office/drawing/2017/03/chart" uri="{56B9EC1D-385E-4148-901F-78D8002777C0}">
+        <c16r3:dataDisplayOptions16>
+          <c16r3:dispNaAsBlank val="1"/>
+        </c16r3:dataDisplayOptions16>
+      </c:ext>
+    </c:extLst>
+    <c:showDLblsOverMax val="0"/>
+  </c:chart>
+  <c:spPr>
+    <a:noFill/>
+    <a:ln>
+      <a:noFill/>
+    </a:ln>
+    <a:effectLst/>
+  </c:spPr>
+  <c:txPr>
+    <a:bodyPr/>
+    <a:lstStyle/>
+    <a:p>
+      <a:pPr>
+        <a:defRPr/>
+      </a:pPr>
+      <a:endParaRPr lang="en-US"/>
+    </a:p>
+  </c:txPr>
+  <c:externalData r:id="rId3">
+    <c:autoUpdate val="0"/>
+  </c:externalData>
+</c:chartSpace>
+</file>
+
+<file path=ppt/charts/chart10.xml><?xml version="1.0" encoding="utf-8"?>
+<c:chartSpace xmlns:c="http://schemas.openxmlformats.org/drawingml/2006/chart" xmlns:a="http://schemas.openxmlformats.org/drawingml/2006/main" xmlns:r="http://schemas.openxmlformats.org/officeDocument/2006/relationships" xmlns:c16r2="http://schemas.microsoft.com/office/drawing/2015/06/chart">
+  <c:date1904 val="0"/>
+  <c:lang val="en-US"/>
+  <c:roundedCorners val="0"/>
+  <mc:AlternateContent xmlns:mc="http://schemas.openxmlformats.org/markup-compatibility/2006">
+    <mc:Choice xmlns:c14="http://schemas.microsoft.com/office/drawing/2007/8/2/chart" Requires="c14">
+      <c14:style val="102"/>
+    </mc:Choice>
+    <mc:Fallback>
+      <c:style val="2"/>
+    </mc:Fallback>
+  </mc:AlternateContent>
+  <c:chart>
+    <c:title>
+      <c:overlay val="0"/>
+      <c:spPr>
+        <a:noFill/>
+        <a:ln>
+          <a:noFill/>
+        </a:ln>
+        <a:effectLst/>
+      </c:spPr>
+      <c:txPr>
+        <a:bodyPr rot="0" spcFirstLastPara="1" vertOverflow="ellipsis" vert="horz" wrap="square" anchor="ctr" anchorCtr="1"/>
+        <a:lstStyle/>
+        <a:p>
+          <a:pPr>
+            <a:defRPr sz="1862" b="0" i="0" u="none" strike="noStrike" kern="1200" spc="0" baseline="0">
+              <a:solidFill>
+                <a:schemeClr val="tx1">
+                  <a:lumMod val="65000"/>
+                  <a:lumOff val="35000"/>
+                </a:schemeClr>
+              </a:solidFill>
+              <a:latin typeface="+mn-lt"/>
+              <a:ea typeface="+mn-ea"/>
+              <a:cs typeface="+mn-cs"/>
+            </a:defRPr>
+          </a:pPr>
+          <a:endParaRPr lang="en-US"/>
+        </a:p>
+      </c:txPr>
+    </c:title>
+    <c:autoTitleDeleted val="0"/>
+    <c:plotArea>
+      <c:layout/>
+      <c:barChart>
+        <c:barDir val="col"/>
+        <c:grouping val="clustered"/>
+        <c:varyColors val="0"/>
+        <c:ser>
+          <c:idx val="0"/>
+          <c:order val="0"/>
+          <c:tx>
+            <c:strRef>
+              <c:f>Sheet1!$B$1</c:f>
+              <c:strCache>
+                <c:ptCount val="1"/>
+                <c:pt idx="0">
+                  <c:v>Search Path</c:v>
+                </c:pt>
+              </c:strCache>
+            </c:strRef>
+          </c:tx>
+          <c:spPr>
+            <a:solidFill>
+              <a:schemeClr val="accent1"/>
+            </a:solidFill>
+            <a:ln>
+              <a:noFill/>
+            </a:ln>
+            <a:effectLst/>
+          </c:spPr>
+          <c:invertIfNegative val="0"/>
+          <c:cat>
+            <c:strRef>
+              <c:f>Sheet1!$A$2:$A$5</c:f>
+              <c:strCache>
+                <c:ptCount val="2"/>
+                <c:pt idx="0">
+                  <c:v>GBFS</c:v>
+                </c:pt>
+                <c:pt idx="1">
+                  <c:v>Scaled GBFS</c:v>
+                </c:pt>
+              </c:strCache>
+            </c:strRef>
+          </c:cat>
+          <c:val>
+            <c:numRef>
+              <c:f>Sheet1!$B$2:$B$5</c:f>
+              <c:numCache>
+                <c:formatCode>General</c:formatCode>
+                <c:ptCount val="4"/>
+                <c:pt idx="0">
+                  <c:v>63.44</c:v>
+                </c:pt>
+                <c:pt idx="1">
+                  <c:v>8500</c:v>
+                </c:pt>
+              </c:numCache>
+            </c:numRef>
+          </c:val>
+          <c:extLst>
+            <c:ext xmlns:c16="http://schemas.microsoft.com/office/drawing/2014/chart" uri="{C3380CC4-5D6E-409C-BE32-E72D297353CC}">
+              <c16:uniqueId val="{00000000-29AA-4F15-AF70-6512966210A0}"/>
+            </c:ext>
+          </c:extLst>
+        </c:ser>
+        <c:dLbls>
+          <c:showLegendKey val="0"/>
+          <c:showVal val="0"/>
+          <c:showCatName val="0"/>
+          <c:showSerName val="0"/>
+          <c:showPercent val="0"/>
+          <c:showBubbleSize val="0"/>
+        </c:dLbls>
+        <c:gapWidth val="219"/>
+        <c:overlap val="-27"/>
+        <c:axId val="494682872"/>
+        <c:axId val="494685168"/>
+      </c:barChart>
+      <c:catAx>
+        <c:axId val="494682872"/>
+        <c:scaling>
+          <c:orientation val="minMax"/>
+        </c:scaling>
+        <c:delete val="0"/>
+        <c:axPos val="b"/>
+        <c:numFmt formatCode="General" sourceLinked="1"/>
+        <c:majorTickMark val="none"/>
+        <c:minorTickMark val="none"/>
+        <c:tickLblPos val="nextTo"/>
+        <c:spPr>
+          <a:noFill/>
+          <a:ln w="9525" cap="flat" cmpd="sng" algn="ctr">
+            <a:solidFill>
+              <a:schemeClr val="tx1">
+                <a:lumMod val="15000"/>
+                <a:lumOff val="85000"/>
+              </a:schemeClr>
+            </a:solidFill>
+            <a:round/>
+          </a:ln>
+          <a:effectLst/>
+        </c:spPr>
+        <c:txPr>
+          <a:bodyPr rot="-60000000" spcFirstLastPara="1" vertOverflow="ellipsis" vert="horz" wrap="square" anchor="ctr" anchorCtr="1"/>
+          <a:lstStyle/>
+          <a:p>
+            <a:pPr>
+              <a:defRPr sz="1197" b="0" i="0" u="none" strike="noStrike" kern="1200" baseline="0">
+                <a:solidFill>
+                  <a:schemeClr val="tx1">
+                    <a:lumMod val="65000"/>
+                    <a:lumOff val="35000"/>
+                  </a:schemeClr>
+                </a:solidFill>
+                <a:latin typeface="+mn-lt"/>
+                <a:ea typeface="+mn-ea"/>
+                <a:cs typeface="+mn-cs"/>
+              </a:defRPr>
+            </a:pPr>
+            <a:endParaRPr lang="en-US"/>
+          </a:p>
+        </c:txPr>
+        <c:crossAx val="494685168"/>
+        <c:crosses val="autoZero"/>
+        <c:auto val="1"/>
+        <c:lblAlgn val="ctr"/>
+        <c:lblOffset val="100"/>
+        <c:noMultiLvlLbl val="0"/>
+      </c:catAx>
+      <c:valAx>
+        <c:axId val="494685168"/>
+        <c:scaling>
+          <c:orientation val="minMax"/>
+        </c:scaling>
+        <c:delete val="0"/>
+        <c:axPos val="l"/>
+        <c:majorGridlines>
+          <c:spPr>
+            <a:ln w="9525" cap="flat" cmpd="sng" algn="ctr">
+              <a:solidFill>
+                <a:schemeClr val="tx1">
+                  <a:lumMod val="15000"/>
+                  <a:lumOff val="85000"/>
+                </a:schemeClr>
+              </a:solidFill>
+              <a:round/>
+            </a:ln>
+            <a:effectLst/>
+          </c:spPr>
+        </c:majorGridlines>
+        <c:numFmt formatCode="General" sourceLinked="1"/>
+        <c:majorTickMark val="none"/>
+        <c:minorTickMark val="none"/>
+        <c:tickLblPos val="nextTo"/>
+        <c:spPr>
+          <a:noFill/>
+          <a:ln>
+            <a:noFill/>
+          </a:ln>
+          <a:effectLst/>
+        </c:spPr>
+        <c:txPr>
+          <a:bodyPr rot="-60000000" spcFirstLastPara="1" vertOverflow="ellipsis" vert="horz" wrap="square" anchor="ctr" anchorCtr="1"/>
+          <a:lstStyle/>
+          <a:p>
+            <a:pPr>
+              <a:defRPr sz="1197" b="0" i="0" u="none" strike="noStrike" kern="1200" baseline="0">
+                <a:solidFill>
+                  <a:schemeClr val="tx1">
+                    <a:lumMod val="65000"/>
+                    <a:lumOff val="35000"/>
+                  </a:schemeClr>
+                </a:solidFill>
+                <a:latin typeface="+mn-lt"/>
+                <a:ea typeface="+mn-ea"/>
+                <a:cs typeface="+mn-cs"/>
+              </a:defRPr>
+            </a:pPr>
+            <a:endParaRPr lang="en-US"/>
+          </a:p>
+        </c:txPr>
+        <c:crossAx val="494682872"/>
+        <c:crosses val="autoZero"/>
+        <c:crossBetween val="between"/>
+      </c:valAx>
+      <c:spPr>
+        <a:noFill/>
+        <a:ln>
+          <a:noFill/>
+        </a:ln>
+        <a:effectLst/>
+      </c:spPr>
+    </c:plotArea>
+    <c:legend>
+      <c:legendPos val="b"/>
+      <c:overlay val="0"/>
+      <c:spPr>
+        <a:noFill/>
+        <a:ln>
+          <a:noFill/>
+        </a:ln>
+        <a:effectLst/>
+      </c:spPr>
+      <c:txPr>
+        <a:bodyPr rot="0" spcFirstLastPara="1" vertOverflow="ellipsis" vert="horz" wrap="square" anchor="ctr" anchorCtr="1"/>
+        <a:lstStyle/>
+        <a:p>
+          <a:pPr>
+            <a:defRPr sz="1197" b="0" i="0" u="none" strike="noStrike" kern="1200" baseline="0">
+              <a:solidFill>
+                <a:schemeClr val="tx1">
+                  <a:lumMod val="65000"/>
+                  <a:lumOff val="35000"/>
+                </a:schemeClr>
+              </a:solidFill>
+              <a:latin typeface="+mn-lt"/>
+              <a:ea typeface="+mn-ea"/>
+              <a:cs typeface="+mn-cs"/>
+            </a:defRPr>
+          </a:pPr>
+          <a:endParaRPr lang="en-US"/>
+        </a:p>
+      </c:txPr>
+    </c:legend>
+    <c:plotVisOnly val="1"/>
+    <c:dispBlanksAs val="gap"/>
+    <c:extLst>
+      <c:ext xmlns:c16r3="http://schemas.microsoft.com/office/drawing/2017/03/chart" uri="{56B9EC1D-385E-4148-901F-78D8002777C0}">
+        <c16r3:dataDisplayOptions16>
+          <c16r3:dispNaAsBlank val="1"/>
+        </c16r3:dataDisplayOptions16>
+      </c:ext>
+    </c:extLst>
+    <c:showDLblsOverMax val="0"/>
+  </c:chart>
+  <c:spPr>
+    <a:noFill/>
+    <a:ln>
+      <a:noFill/>
+    </a:ln>
+    <a:effectLst/>
+  </c:spPr>
+  <c:txPr>
+    <a:bodyPr/>
+    <a:lstStyle/>
+    <a:p>
+      <a:pPr>
+        <a:defRPr/>
+      </a:pPr>
+      <a:endParaRPr lang="en-US"/>
+    </a:p>
+  </c:txPr>
+  <c:externalData r:id="rId3">
+    <c:autoUpdate val="0"/>
+  </c:externalData>
+</c:chartSpace>
+</file>
+
+<file path=ppt/charts/chart11.xml><?xml version="1.0" encoding="utf-8"?>
+<c:chartSpace xmlns:c="http://schemas.openxmlformats.org/drawingml/2006/chart" xmlns:a="http://schemas.openxmlformats.org/drawingml/2006/main" xmlns:r="http://schemas.openxmlformats.org/officeDocument/2006/relationships" xmlns:c16r2="http://schemas.microsoft.com/office/drawing/2015/06/chart">
+  <c:date1904 val="0"/>
+  <c:lang val="en-US"/>
+  <c:roundedCorners val="0"/>
+  <mc:AlternateContent xmlns:mc="http://schemas.openxmlformats.org/markup-compatibility/2006">
+    <mc:Choice xmlns:c14="http://schemas.microsoft.com/office/drawing/2007/8/2/chart" Requires="c14">
+      <c14:style val="102"/>
+    </mc:Choice>
+    <mc:Fallback>
+      <c:style val="2"/>
+    </mc:Fallback>
+  </mc:AlternateContent>
+  <c:chart>
+    <c:title>
+      <c:overlay val="0"/>
+      <c:spPr>
+        <a:noFill/>
+        <a:ln>
+          <a:noFill/>
+        </a:ln>
+        <a:effectLst/>
+      </c:spPr>
+      <c:txPr>
+        <a:bodyPr rot="0" spcFirstLastPara="1" vertOverflow="ellipsis" vert="horz" wrap="square" anchor="ctr" anchorCtr="1"/>
+        <a:lstStyle/>
+        <a:p>
+          <a:pPr>
+            <a:defRPr sz="1862" b="0" i="0" u="none" strike="noStrike" kern="1200" spc="0" baseline="0">
+              <a:solidFill>
+                <a:schemeClr val="tx1">
+                  <a:lumMod val="65000"/>
+                  <a:lumOff val="35000"/>
+                </a:schemeClr>
+              </a:solidFill>
+              <a:latin typeface="+mn-lt"/>
+              <a:ea typeface="+mn-ea"/>
+              <a:cs typeface="+mn-cs"/>
+            </a:defRPr>
+          </a:pPr>
+          <a:endParaRPr lang="en-US"/>
+        </a:p>
+      </c:txPr>
+    </c:title>
+    <c:autoTitleDeleted val="0"/>
+    <c:plotArea>
+      <c:layout/>
+      <c:barChart>
+        <c:barDir val="col"/>
+        <c:grouping val="clustered"/>
+        <c:varyColors val="0"/>
+        <c:ser>
+          <c:idx val="0"/>
+          <c:order val="0"/>
+          <c:tx>
+            <c:strRef>
+              <c:f>Sheet1!$B$1</c:f>
+              <c:strCache>
+                <c:ptCount val="1"/>
+                <c:pt idx="0">
+                  <c:v>Solution Path</c:v>
+                </c:pt>
+              </c:strCache>
+            </c:strRef>
+          </c:tx>
+          <c:spPr>
+            <a:solidFill>
+              <a:schemeClr val="accent1"/>
+            </a:solidFill>
+            <a:ln>
+              <a:noFill/>
+            </a:ln>
+            <a:effectLst/>
+          </c:spPr>
+          <c:invertIfNegative val="0"/>
+          <c:cat>
+            <c:strRef>
+              <c:f>Sheet1!$A$2:$A$5</c:f>
+              <c:strCache>
+                <c:ptCount val="2"/>
+                <c:pt idx="0">
+                  <c:v>GBFS</c:v>
+                </c:pt>
+                <c:pt idx="1">
+                  <c:v>Scaled GBFS</c:v>
+                </c:pt>
+              </c:strCache>
+            </c:strRef>
+          </c:cat>
+          <c:val>
+            <c:numRef>
+              <c:f>Sheet1!$B$2:$B$5</c:f>
+              <c:numCache>
+                <c:formatCode>General</c:formatCode>
+                <c:ptCount val="4"/>
+                <c:pt idx="0">
+                  <c:v>24.04</c:v>
+                </c:pt>
+                <c:pt idx="1">
+                  <c:v>222</c:v>
+                </c:pt>
+              </c:numCache>
+            </c:numRef>
+          </c:val>
+          <c:extLst>
+            <c:ext xmlns:c16="http://schemas.microsoft.com/office/drawing/2014/chart" uri="{C3380CC4-5D6E-409C-BE32-E72D297353CC}">
+              <c16:uniqueId val="{00000000-4952-485D-BDB4-70960E99400F}"/>
+            </c:ext>
+          </c:extLst>
+        </c:ser>
+        <c:dLbls>
+          <c:showLegendKey val="0"/>
+          <c:showVal val="0"/>
+          <c:showCatName val="0"/>
+          <c:showSerName val="0"/>
+          <c:showPercent val="0"/>
+          <c:showBubbleSize val="0"/>
+        </c:dLbls>
+        <c:gapWidth val="219"/>
+        <c:overlap val="-27"/>
+        <c:axId val="494682872"/>
+        <c:axId val="494685168"/>
+      </c:barChart>
+      <c:catAx>
+        <c:axId val="494682872"/>
+        <c:scaling>
+          <c:orientation val="minMax"/>
+        </c:scaling>
+        <c:delete val="0"/>
+        <c:axPos val="b"/>
+        <c:numFmt formatCode="General" sourceLinked="1"/>
+        <c:majorTickMark val="none"/>
+        <c:minorTickMark val="none"/>
+        <c:tickLblPos val="nextTo"/>
+        <c:spPr>
+          <a:noFill/>
+          <a:ln w="9525" cap="flat" cmpd="sng" algn="ctr">
+            <a:solidFill>
+              <a:schemeClr val="tx1">
+                <a:lumMod val="15000"/>
+                <a:lumOff val="85000"/>
+              </a:schemeClr>
+            </a:solidFill>
+            <a:round/>
+          </a:ln>
+          <a:effectLst/>
+        </c:spPr>
+        <c:txPr>
+          <a:bodyPr rot="-60000000" spcFirstLastPara="1" vertOverflow="ellipsis" vert="horz" wrap="square" anchor="ctr" anchorCtr="1"/>
+          <a:lstStyle/>
+          <a:p>
+            <a:pPr>
+              <a:defRPr sz="1197" b="0" i="0" u="none" strike="noStrike" kern="1200" baseline="0">
+                <a:solidFill>
+                  <a:schemeClr val="tx1">
+                    <a:lumMod val="65000"/>
+                    <a:lumOff val="35000"/>
+                  </a:schemeClr>
+                </a:solidFill>
+                <a:latin typeface="+mn-lt"/>
+                <a:ea typeface="+mn-ea"/>
+                <a:cs typeface="+mn-cs"/>
+              </a:defRPr>
+            </a:pPr>
+            <a:endParaRPr lang="en-US"/>
+          </a:p>
+        </c:txPr>
+        <c:crossAx val="494685168"/>
+        <c:crosses val="autoZero"/>
+        <c:auto val="1"/>
+        <c:lblAlgn val="ctr"/>
+        <c:lblOffset val="100"/>
+        <c:noMultiLvlLbl val="0"/>
+      </c:catAx>
+      <c:valAx>
+        <c:axId val="494685168"/>
+        <c:scaling>
+          <c:orientation val="minMax"/>
+        </c:scaling>
+        <c:delete val="0"/>
+        <c:axPos val="l"/>
+        <c:majorGridlines>
+          <c:spPr>
+            <a:ln w="9525" cap="flat" cmpd="sng" algn="ctr">
+              <a:solidFill>
+                <a:schemeClr val="tx1">
+                  <a:lumMod val="15000"/>
+                  <a:lumOff val="85000"/>
+                </a:schemeClr>
+              </a:solidFill>
+              <a:round/>
+            </a:ln>
+            <a:effectLst/>
+          </c:spPr>
+        </c:majorGridlines>
+        <c:numFmt formatCode="General" sourceLinked="1"/>
+        <c:majorTickMark val="none"/>
+        <c:minorTickMark val="none"/>
+        <c:tickLblPos val="nextTo"/>
+        <c:spPr>
+          <a:noFill/>
+          <a:ln>
+            <a:noFill/>
+          </a:ln>
+          <a:effectLst/>
+        </c:spPr>
+        <c:txPr>
+          <a:bodyPr rot="-60000000" spcFirstLastPara="1" vertOverflow="ellipsis" vert="horz" wrap="square" anchor="ctr" anchorCtr="1"/>
+          <a:lstStyle/>
+          <a:p>
+            <a:pPr>
+              <a:defRPr sz="1197" b="0" i="0" u="none" strike="noStrike" kern="1200" baseline="0">
+                <a:solidFill>
+                  <a:schemeClr val="tx1">
+                    <a:lumMod val="65000"/>
+                    <a:lumOff val="35000"/>
+                  </a:schemeClr>
+                </a:solidFill>
+                <a:latin typeface="+mn-lt"/>
+                <a:ea typeface="+mn-ea"/>
+                <a:cs typeface="+mn-cs"/>
+              </a:defRPr>
+            </a:pPr>
+            <a:endParaRPr lang="en-US"/>
+          </a:p>
+        </c:txPr>
+        <c:crossAx val="494682872"/>
+        <c:crosses val="autoZero"/>
+        <c:crossBetween val="between"/>
+      </c:valAx>
+      <c:spPr>
+        <a:noFill/>
+        <a:ln>
+          <a:noFill/>
+        </a:ln>
+        <a:effectLst/>
+      </c:spPr>
+    </c:plotArea>
+    <c:legend>
+      <c:legendPos val="b"/>
+      <c:overlay val="0"/>
+      <c:spPr>
+        <a:noFill/>
+        <a:ln>
+          <a:noFill/>
+        </a:ln>
+        <a:effectLst/>
+      </c:spPr>
+      <c:txPr>
+        <a:bodyPr rot="0" spcFirstLastPara="1" vertOverflow="ellipsis" vert="horz" wrap="square" anchor="ctr" anchorCtr="1"/>
+        <a:lstStyle/>
+        <a:p>
+          <a:pPr>
+            <a:defRPr sz="1197" b="0" i="0" u="none" strike="noStrike" kern="1200" baseline="0">
+              <a:solidFill>
+                <a:schemeClr val="tx1">
+                  <a:lumMod val="65000"/>
+                  <a:lumOff val="35000"/>
+                </a:schemeClr>
+              </a:solidFill>
+              <a:latin typeface="+mn-lt"/>
+              <a:ea typeface="+mn-ea"/>
+              <a:cs typeface="+mn-cs"/>
+            </a:defRPr>
+          </a:pPr>
+          <a:endParaRPr lang="en-US"/>
+        </a:p>
+      </c:txPr>
+    </c:legend>
+    <c:plotVisOnly val="1"/>
+    <c:dispBlanksAs val="gap"/>
+    <c:extLst>
+      <c:ext xmlns:c16r3="http://schemas.microsoft.com/office/drawing/2017/03/chart" uri="{56B9EC1D-385E-4148-901F-78D8002777C0}">
+        <c16r3:dataDisplayOptions16>
+          <c16r3:dispNaAsBlank val="1"/>
+        </c16r3:dataDisplayOptions16>
+      </c:ext>
+    </c:extLst>
+    <c:showDLblsOverMax val="0"/>
+  </c:chart>
+  <c:spPr>
+    <a:noFill/>
+    <a:ln>
+      <a:noFill/>
+    </a:ln>
+    <a:effectLst/>
+  </c:spPr>
+  <c:txPr>
+    <a:bodyPr/>
+    <a:lstStyle/>
+    <a:p>
+      <a:pPr>
+        <a:defRPr/>
+      </a:pPr>
+      <a:endParaRPr lang="en-US"/>
+    </a:p>
+  </c:txPr>
+  <c:externalData r:id="rId3">
+    <c:autoUpdate val="0"/>
+  </c:externalData>
+</c:chartSpace>
+</file>
+
+<file path=ppt/charts/chart12.xml><?xml version="1.0" encoding="utf-8"?>
+<c:chartSpace xmlns:c="http://schemas.openxmlformats.org/drawingml/2006/chart" xmlns:a="http://schemas.openxmlformats.org/drawingml/2006/main" xmlns:r="http://schemas.openxmlformats.org/officeDocument/2006/relationships" xmlns:c16r2="http://schemas.microsoft.com/office/drawing/2015/06/chart">
+  <c:date1904 val="0"/>
+  <c:lang val="en-US"/>
+  <c:roundedCorners val="0"/>
+  <mc:AlternateContent xmlns:mc="http://schemas.openxmlformats.org/markup-compatibility/2006">
+    <mc:Choice xmlns:c14="http://schemas.microsoft.com/office/drawing/2007/8/2/chart" Requires="c14">
+      <c14:style val="102"/>
+    </mc:Choice>
+    <mc:Fallback>
+      <c:style val="2"/>
+    </mc:Fallback>
+  </mc:AlternateContent>
+  <c:chart>
+    <c:title>
+      <c:overlay val="0"/>
+      <c:spPr>
+        <a:noFill/>
+        <a:ln>
+          <a:noFill/>
+        </a:ln>
+        <a:effectLst/>
+      </c:spPr>
+      <c:txPr>
+        <a:bodyPr rot="0" spcFirstLastPara="1" vertOverflow="ellipsis" vert="horz" wrap="square" anchor="ctr" anchorCtr="1"/>
+        <a:lstStyle/>
+        <a:p>
+          <a:pPr>
+            <a:defRPr sz="1862" b="0" i="0" u="none" strike="noStrike" kern="1200" spc="0" baseline="0">
+              <a:solidFill>
+                <a:schemeClr val="tx1">
+                  <a:lumMod val="65000"/>
+                  <a:lumOff val="35000"/>
+                </a:schemeClr>
+              </a:solidFill>
+              <a:latin typeface="+mn-lt"/>
+              <a:ea typeface="+mn-ea"/>
+              <a:cs typeface="+mn-cs"/>
+            </a:defRPr>
+          </a:pPr>
+          <a:endParaRPr lang="en-US"/>
+        </a:p>
+      </c:txPr>
+    </c:title>
+    <c:autoTitleDeleted val="0"/>
+    <c:plotArea>
+      <c:layout/>
+      <c:barChart>
+        <c:barDir val="col"/>
+        <c:grouping val="clustered"/>
+        <c:varyColors val="0"/>
+        <c:ser>
+          <c:idx val="0"/>
+          <c:order val="0"/>
+          <c:tx>
+            <c:strRef>
+              <c:f>Sheet1!$B$1</c:f>
+              <c:strCache>
+                <c:ptCount val="1"/>
+                <c:pt idx="0">
+                  <c:v>Cost</c:v>
+                </c:pt>
+              </c:strCache>
+            </c:strRef>
+          </c:tx>
+          <c:spPr>
+            <a:solidFill>
+              <a:schemeClr val="accent1"/>
+            </a:solidFill>
+            <a:ln>
+              <a:noFill/>
+            </a:ln>
+            <a:effectLst/>
+          </c:spPr>
+          <c:invertIfNegative val="0"/>
+          <c:cat>
+            <c:strRef>
+              <c:f>Sheet1!$A$2:$A$5</c:f>
+              <c:strCache>
+                <c:ptCount val="2"/>
+                <c:pt idx="0">
+                  <c:v>GBFS</c:v>
+                </c:pt>
+                <c:pt idx="1">
+                  <c:v>Scaled GBFS</c:v>
+                </c:pt>
+              </c:strCache>
+            </c:strRef>
+          </c:cat>
+          <c:val>
+            <c:numRef>
+              <c:f>Sheet1!$B$2:$B$5</c:f>
+              <c:numCache>
+                <c:formatCode>General</c:formatCode>
+                <c:ptCount val="4"/>
+                <c:pt idx="0">
+                  <c:v>38.159999999999997</c:v>
+                </c:pt>
+                <c:pt idx="1">
+                  <c:v>321</c:v>
+                </c:pt>
+              </c:numCache>
+            </c:numRef>
+          </c:val>
+          <c:extLst>
+            <c:ext xmlns:c16="http://schemas.microsoft.com/office/drawing/2014/chart" uri="{C3380CC4-5D6E-409C-BE32-E72D297353CC}">
+              <c16:uniqueId val="{00000000-BFE2-4BC7-A285-472CDFCE6812}"/>
+            </c:ext>
+          </c:extLst>
+        </c:ser>
+        <c:dLbls>
+          <c:showLegendKey val="0"/>
+          <c:showVal val="0"/>
+          <c:showCatName val="0"/>
+          <c:showSerName val="0"/>
+          <c:showPercent val="0"/>
+          <c:showBubbleSize val="0"/>
+        </c:dLbls>
+        <c:gapWidth val="219"/>
+        <c:overlap val="-27"/>
+        <c:axId val="494682872"/>
+        <c:axId val="494685168"/>
+      </c:barChart>
+      <c:catAx>
+        <c:axId val="494682872"/>
+        <c:scaling>
+          <c:orientation val="minMax"/>
+        </c:scaling>
+        <c:delete val="0"/>
+        <c:axPos val="b"/>
+        <c:numFmt formatCode="General" sourceLinked="1"/>
+        <c:majorTickMark val="none"/>
+        <c:minorTickMark val="none"/>
+        <c:tickLblPos val="nextTo"/>
+        <c:spPr>
+          <a:noFill/>
+          <a:ln w="9525" cap="flat" cmpd="sng" algn="ctr">
+            <a:solidFill>
+              <a:schemeClr val="tx1">
+                <a:lumMod val="15000"/>
+                <a:lumOff val="85000"/>
+              </a:schemeClr>
+            </a:solidFill>
+            <a:round/>
+          </a:ln>
+          <a:effectLst/>
+        </c:spPr>
+        <c:txPr>
+          <a:bodyPr rot="-60000000" spcFirstLastPara="1" vertOverflow="ellipsis" vert="horz" wrap="square" anchor="ctr" anchorCtr="1"/>
+          <a:lstStyle/>
+          <a:p>
+            <a:pPr>
+              <a:defRPr sz="1197" b="0" i="0" u="none" strike="noStrike" kern="1200" baseline="0">
+                <a:solidFill>
+                  <a:schemeClr val="tx1">
+                    <a:lumMod val="65000"/>
+                    <a:lumOff val="35000"/>
+                  </a:schemeClr>
+                </a:solidFill>
+                <a:latin typeface="+mn-lt"/>
+                <a:ea typeface="+mn-ea"/>
+                <a:cs typeface="+mn-cs"/>
+              </a:defRPr>
+            </a:pPr>
+            <a:endParaRPr lang="en-US"/>
+          </a:p>
+        </c:txPr>
+        <c:crossAx val="494685168"/>
+        <c:crosses val="autoZero"/>
+        <c:auto val="1"/>
+        <c:lblAlgn val="ctr"/>
+        <c:lblOffset val="100"/>
+        <c:noMultiLvlLbl val="0"/>
+      </c:catAx>
+      <c:valAx>
+        <c:axId val="494685168"/>
+        <c:scaling>
+          <c:orientation val="minMax"/>
+        </c:scaling>
+        <c:delete val="0"/>
+        <c:axPos val="l"/>
+        <c:majorGridlines>
+          <c:spPr>
+            <a:ln w="9525" cap="flat" cmpd="sng" algn="ctr">
+              <a:solidFill>
+                <a:schemeClr val="tx1">
+                  <a:lumMod val="15000"/>
+                  <a:lumOff val="85000"/>
+                </a:schemeClr>
+              </a:solidFill>
+              <a:round/>
+            </a:ln>
+            <a:effectLst/>
+          </c:spPr>
+        </c:majorGridlines>
+        <c:numFmt formatCode="General" sourceLinked="1"/>
+        <c:majorTickMark val="none"/>
+        <c:minorTickMark val="none"/>
+        <c:tickLblPos val="nextTo"/>
+        <c:spPr>
+          <a:noFill/>
+          <a:ln>
+            <a:noFill/>
+          </a:ln>
+          <a:effectLst/>
+        </c:spPr>
+        <c:txPr>
+          <a:bodyPr rot="-60000000" spcFirstLastPara="1" vertOverflow="ellipsis" vert="horz" wrap="square" anchor="ctr" anchorCtr="1"/>
+          <a:lstStyle/>
+          <a:p>
+            <a:pPr>
+              <a:defRPr sz="1197" b="0" i="0" u="none" strike="noStrike" kern="1200" baseline="0">
+                <a:solidFill>
+                  <a:schemeClr val="tx1">
+                    <a:lumMod val="65000"/>
+                    <a:lumOff val="35000"/>
+                  </a:schemeClr>
+                </a:solidFill>
+                <a:latin typeface="+mn-lt"/>
+                <a:ea typeface="+mn-ea"/>
+                <a:cs typeface="+mn-cs"/>
+              </a:defRPr>
+            </a:pPr>
+            <a:endParaRPr lang="en-US"/>
+          </a:p>
+        </c:txPr>
+        <c:crossAx val="494682872"/>
+        <c:crosses val="autoZero"/>
+        <c:crossBetween val="between"/>
+      </c:valAx>
+      <c:spPr>
+        <a:noFill/>
+        <a:ln>
+          <a:noFill/>
+        </a:ln>
+        <a:effectLst/>
+      </c:spPr>
+    </c:plotArea>
+    <c:legend>
+      <c:legendPos val="b"/>
+      <c:overlay val="0"/>
+      <c:spPr>
+        <a:noFill/>
+        <a:ln>
+          <a:noFill/>
+        </a:ln>
+        <a:effectLst/>
+      </c:spPr>
+      <c:txPr>
+        <a:bodyPr rot="0" spcFirstLastPara="1" vertOverflow="ellipsis" vert="horz" wrap="square" anchor="ctr" anchorCtr="1"/>
+        <a:lstStyle/>
+        <a:p>
+          <a:pPr>
+            <a:defRPr sz="1197" b="0" i="0" u="none" strike="noStrike" kern="1200" baseline="0">
+              <a:solidFill>
+                <a:schemeClr val="tx1">
+                  <a:lumMod val="65000"/>
+                  <a:lumOff val="35000"/>
+                </a:schemeClr>
+              </a:solidFill>
+              <a:latin typeface="+mn-lt"/>
+              <a:ea typeface="+mn-ea"/>
+              <a:cs typeface="+mn-cs"/>
+            </a:defRPr>
+          </a:pPr>
+          <a:endParaRPr lang="en-US"/>
+        </a:p>
+      </c:txPr>
+    </c:legend>
+    <c:plotVisOnly val="1"/>
+    <c:dispBlanksAs val="gap"/>
+    <c:extLst>
+      <c:ext xmlns:c16r3="http://schemas.microsoft.com/office/drawing/2017/03/chart" uri="{56B9EC1D-385E-4148-901F-78D8002777C0}">
+        <c16r3:dataDisplayOptions16>
+          <c16r3:dispNaAsBlank val="1"/>
+        </c16r3:dataDisplayOptions16>
+      </c:ext>
+    </c:extLst>
+    <c:showDLblsOverMax val="0"/>
+  </c:chart>
+  <c:spPr>
+    <a:noFill/>
+    <a:ln>
+      <a:noFill/>
+    </a:ln>
+    <a:effectLst/>
+  </c:spPr>
+  <c:txPr>
+    <a:bodyPr/>
+    <a:lstStyle/>
+    <a:p>
+      <a:pPr>
+        <a:defRPr/>
+      </a:pPr>
+      <a:endParaRPr lang="en-US"/>
+    </a:p>
+  </c:txPr>
+  <c:externalData r:id="rId3">
+    <c:autoUpdate val="0"/>
+  </c:externalData>
+</c:chartSpace>
+</file>
+
+<file path=ppt/charts/chart13.xml><?xml version="1.0" encoding="utf-8"?>
+<c:chartSpace xmlns:c="http://schemas.openxmlformats.org/drawingml/2006/chart" xmlns:a="http://schemas.openxmlformats.org/drawingml/2006/main" xmlns:r="http://schemas.openxmlformats.org/officeDocument/2006/relationships" xmlns:c16r2="http://schemas.microsoft.com/office/drawing/2015/06/chart">
+  <c:date1904 val="0"/>
+  <c:lang val="en-US"/>
+  <c:roundedCorners val="0"/>
+  <mc:AlternateContent xmlns:mc="http://schemas.openxmlformats.org/markup-compatibility/2006">
+    <mc:Choice xmlns:c14="http://schemas.microsoft.com/office/drawing/2007/8/2/chart" Requires="c14">
+      <c14:style val="102"/>
+    </mc:Choice>
+    <mc:Fallback>
+      <c:style val="2"/>
+    </mc:Fallback>
+  </mc:AlternateContent>
+  <c:chart>
+    <c:title>
+      <c:overlay val="0"/>
+      <c:spPr>
+        <a:noFill/>
+        <a:ln>
+          <a:noFill/>
+        </a:ln>
+        <a:effectLst/>
+      </c:spPr>
+      <c:txPr>
+        <a:bodyPr rot="0" spcFirstLastPara="1" vertOverflow="ellipsis" vert="horz" wrap="square" anchor="ctr" anchorCtr="1"/>
+        <a:lstStyle/>
+        <a:p>
+          <a:pPr>
+            <a:defRPr sz="1862" b="0" i="0" u="none" strike="noStrike" kern="1200" spc="0" baseline="0">
+              <a:solidFill>
+                <a:schemeClr val="tx1">
+                  <a:lumMod val="65000"/>
+                  <a:lumOff val="35000"/>
+                </a:schemeClr>
+              </a:solidFill>
+              <a:latin typeface="+mn-lt"/>
+              <a:ea typeface="+mn-ea"/>
+              <a:cs typeface="+mn-cs"/>
+            </a:defRPr>
+          </a:pPr>
+          <a:endParaRPr lang="en-US"/>
+        </a:p>
+      </c:txPr>
+    </c:title>
+    <c:autoTitleDeleted val="0"/>
+    <c:plotArea>
+      <c:layout/>
+      <c:barChart>
+        <c:barDir val="col"/>
+        <c:grouping val="clustered"/>
+        <c:varyColors val="0"/>
+        <c:ser>
+          <c:idx val="0"/>
+          <c:order val="0"/>
+          <c:tx>
+            <c:strRef>
+              <c:f>Sheet1!$B$1</c:f>
+              <c:strCache>
+                <c:ptCount val="1"/>
+                <c:pt idx="0">
+                  <c:v>Execution Time</c:v>
+                </c:pt>
+              </c:strCache>
+            </c:strRef>
+          </c:tx>
+          <c:spPr>
+            <a:solidFill>
+              <a:schemeClr val="accent1"/>
+            </a:solidFill>
+            <a:ln>
+              <a:noFill/>
+            </a:ln>
+            <a:effectLst/>
+          </c:spPr>
+          <c:invertIfNegative val="0"/>
+          <c:cat>
+            <c:strRef>
+              <c:f>Sheet1!$A$2:$A$5</c:f>
+              <c:strCache>
+                <c:ptCount val="2"/>
+                <c:pt idx="0">
+                  <c:v>GBFS</c:v>
+                </c:pt>
+                <c:pt idx="1">
+                  <c:v>Scaled GBFS</c:v>
+                </c:pt>
+              </c:strCache>
+            </c:strRef>
+          </c:cat>
+          <c:val>
+            <c:numRef>
+              <c:f>Sheet1!$B$2:$B$5</c:f>
+              <c:numCache>
+                <c:formatCode>General</c:formatCode>
+                <c:ptCount val="4"/>
+                <c:pt idx="0">
+                  <c:v>4.6299999999999996E-3</c:v>
+                </c:pt>
+                <c:pt idx="1">
+                  <c:v>19.534500000000001</c:v>
+                </c:pt>
+              </c:numCache>
+            </c:numRef>
+          </c:val>
+          <c:extLst>
+            <c:ext xmlns:c16="http://schemas.microsoft.com/office/drawing/2014/chart" uri="{C3380CC4-5D6E-409C-BE32-E72D297353CC}">
+              <c16:uniqueId val="{00000000-10E2-4601-9432-7299B6480564}"/>
+            </c:ext>
+          </c:extLst>
+        </c:ser>
+        <c:dLbls>
+          <c:showLegendKey val="0"/>
+          <c:showVal val="0"/>
+          <c:showCatName val="0"/>
+          <c:showSerName val="0"/>
+          <c:showPercent val="0"/>
+          <c:showBubbleSize val="0"/>
+        </c:dLbls>
+        <c:gapWidth val="219"/>
+        <c:overlap val="-27"/>
+        <c:axId val="494682872"/>
+        <c:axId val="494685168"/>
+      </c:barChart>
+      <c:catAx>
+        <c:axId val="494682872"/>
+        <c:scaling>
+          <c:orientation val="minMax"/>
+        </c:scaling>
+        <c:delete val="0"/>
+        <c:axPos val="b"/>
+        <c:numFmt formatCode="General" sourceLinked="1"/>
+        <c:majorTickMark val="none"/>
+        <c:minorTickMark val="none"/>
+        <c:tickLblPos val="nextTo"/>
+        <c:spPr>
+          <a:noFill/>
+          <a:ln w="9525" cap="flat" cmpd="sng" algn="ctr">
+            <a:solidFill>
+              <a:schemeClr val="tx1">
+                <a:lumMod val="15000"/>
+                <a:lumOff val="85000"/>
+              </a:schemeClr>
+            </a:solidFill>
+            <a:round/>
+          </a:ln>
+          <a:effectLst/>
+        </c:spPr>
+        <c:txPr>
+          <a:bodyPr rot="-60000000" spcFirstLastPara="1" vertOverflow="ellipsis" vert="horz" wrap="square" anchor="ctr" anchorCtr="1"/>
+          <a:lstStyle/>
+          <a:p>
+            <a:pPr>
+              <a:defRPr sz="1197" b="0" i="0" u="none" strike="noStrike" kern="1200" baseline="0">
+                <a:solidFill>
+                  <a:schemeClr val="tx1">
+                    <a:lumMod val="65000"/>
+                    <a:lumOff val="35000"/>
+                  </a:schemeClr>
+                </a:solidFill>
+                <a:latin typeface="+mn-lt"/>
+                <a:ea typeface="+mn-ea"/>
+                <a:cs typeface="+mn-cs"/>
+              </a:defRPr>
+            </a:pPr>
+            <a:endParaRPr lang="en-US"/>
+          </a:p>
+        </c:txPr>
+        <c:crossAx val="494685168"/>
+        <c:crosses val="autoZero"/>
+        <c:auto val="1"/>
+        <c:lblAlgn val="ctr"/>
+        <c:lblOffset val="100"/>
+        <c:noMultiLvlLbl val="0"/>
+      </c:catAx>
+      <c:valAx>
+        <c:axId val="494685168"/>
+        <c:scaling>
+          <c:orientation val="minMax"/>
+        </c:scaling>
+        <c:delete val="0"/>
+        <c:axPos val="l"/>
+        <c:majorGridlines>
+          <c:spPr>
+            <a:ln w="9525" cap="flat" cmpd="sng" algn="ctr">
+              <a:solidFill>
+                <a:schemeClr val="tx1">
+                  <a:lumMod val="15000"/>
+                  <a:lumOff val="85000"/>
+                </a:schemeClr>
+              </a:solidFill>
+              <a:round/>
+            </a:ln>
+            <a:effectLst/>
+          </c:spPr>
+        </c:majorGridlines>
+        <c:numFmt formatCode="General" sourceLinked="1"/>
+        <c:majorTickMark val="none"/>
+        <c:minorTickMark val="none"/>
+        <c:tickLblPos val="nextTo"/>
+        <c:spPr>
+          <a:noFill/>
+          <a:ln>
+            <a:noFill/>
+          </a:ln>
+          <a:effectLst/>
+        </c:spPr>
+        <c:txPr>
+          <a:bodyPr rot="-60000000" spcFirstLastPara="1" vertOverflow="ellipsis" vert="horz" wrap="square" anchor="ctr" anchorCtr="1"/>
+          <a:lstStyle/>
+          <a:p>
+            <a:pPr>
+              <a:defRPr sz="1197" b="0" i="0" u="none" strike="noStrike" kern="1200" baseline="0">
+                <a:solidFill>
+                  <a:schemeClr val="tx1">
+                    <a:lumMod val="65000"/>
+                    <a:lumOff val="35000"/>
+                  </a:schemeClr>
+                </a:solidFill>
+                <a:latin typeface="+mn-lt"/>
+                <a:ea typeface="+mn-ea"/>
+                <a:cs typeface="+mn-cs"/>
+              </a:defRPr>
+            </a:pPr>
+            <a:endParaRPr lang="en-US"/>
+          </a:p>
+        </c:txPr>
+        <c:crossAx val="494682872"/>
         <c:crosses val="autoZero"/>
         <c:crossBetween val="between"/>
       </c:valAx>
@@ -3101,6 +4319,166 @@
 </cs:colorStyle>
 </file>
 
+<file path=ppt/charts/colors10.xml><?xml version="1.0" encoding="utf-8"?>
+<cs:colorStyle xmlns:cs="http://schemas.microsoft.com/office/drawing/2012/chartStyle" xmlns:a="http://schemas.openxmlformats.org/drawingml/2006/main" meth="cycle" id="10">
+  <a:schemeClr val="accent1"/>
+  <a:schemeClr val="accent2"/>
+  <a:schemeClr val="accent3"/>
+  <a:schemeClr val="accent4"/>
+  <a:schemeClr val="accent5"/>
+  <a:schemeClr val="accent6"/>
+  <cs:variation/>
+  <cs:variation>
+    <a:lumMod val="60000"/>
+  </cs:variation>
+  <cs:variation>
+    <a:lumMod val="80000"/>
+    <a:lumOff val="20000"/>
+  </cs:variation>
+  <cs:variation>
+    <a:lumMod val="80000"/>
+  </cs:variation>
+  <cs:variation>
+    <a:lumMod val="60000"/>
+    <a:lumOff val="40000"/>
+  </cs:variation>
+  <cs:variation>
+    <a:lumMod val="50000"/>
+  </cs:variation>
+  <cs:variation>
+    <a:lumMod val="70000"/>
+    <a:lumOff val="30000"/>
+  </cs:variation>
+  <cs:variation>
+    <a:lumMod val="70000"/>
+  </cs:variation>
+  <cs:variation>
+    <a:lumMod val="50000"/>
+    <a:lumOff val="50000"/>
+  </cs:variation>
+</cs:colorStyle>
+</file>
+
+<file path=ppt/charts/colors11.xml><?xml version="1.0" encoding="utf-8"?>
+<cs:colorStyle xmlns:cs="http://schemas.microsoft.com/office/drawing/2012/chartStyle" xmlns:a="http://schemas.openxmlformats.org/drawingml/2006/main" meth="cycle" id="10">
+  <a:schemeClr val="accent1"/>
+  <a:schemeClr val="accent2"/>
+  <a:schemeClr val="accent3"/>
+  <a:schemeClr val="accent4"/>
+  <a:schemeClr val="accent5"/>
+  <a:schemeClr val="accent6"/>
+  <cs:variation/>
+  <cs:variation>
+    <a:lumMod val="60000"/>
+  </cs:variation>
+  <cs:variation>
+    <a:lumMod val="80000"/>
+    <a:lumOff val="20000"/>
+  </cs:variation>
+  <cs:variation>
+    <a:lumMod val="80000"/>
+  </cs:variation>
+  <cs:variation>
+    <a:lumMod val="60000"/>
+    <a:lumOff val="40000"/>
+  </cs:variation>
+  <cs:variation>
+    <a:lumMod val="50000"/>
+  </cs:variation>
+  <cs:variation>
+    <a:lumMod val="70000"/>
+    <a:lumOff val="30000"/>
+  </cs:variation>
+  <cs:variation>
+    <a:lumMod val="70000"/>
+  </cs:variation>
+  <cs:variation>
+    <a:lumMod val="50000"/>
+    <a:lumOff val="50000"/>
+  </cs:variation>
+</cs:colorStyle>
+</file>
+
+<file path=ppt/charts/colors12.xml><?xml version="1.0" encoding="utf-8"?>
+<cs:colorStyle xmlns:cs="http://schemas.microsoft.com/office/drawing/2012/chartStyle" xmlns:a="http://schemas.openxmlformats.org/drawingml/2006/main" meth="cycle" id="10">
+  <a:schemeClr val="accent1"/>
+  <a:schemeClr val="accent2"/>
+  <a:schemeClr val="accent3"/>
+  <a:schemeClr val="accent4"/>
+  <a:schemeClr val="accent5"/>
+  <a:schemeClr val="accent6"/>
+  <cs:variation/>
+  <cs:variation>
+    <a:lumMod val="60000"/>
+  </cs:variation>
+  <cs:variation>
+    <a:lumMod val="80000"/>
+    <a:lumOff val="20000"/>
+  </cs:variation>
+  <cs:variation>
+    <a:lumMod val="80000"/>
+  </cs:variation>
+  <cs:variation>
+    <a:lumMod val="60000"/>
+    <a:lumOff val="40000"/>
+  </cs:variation>
+  <cs:variation>
+    <a:lumMod val="50000"/>
+  </cs:variation>
+  <cs:variation>
+    <a:lumMod val="70000"/>
+    <a:lumOff val="30000"/>
+  </cs:variation>
+  <cs:variation>
+    <a:lumMod val="70000"/>
+  </cs:variation>
+  <cs:variation>
+    <a:lumMod val="50000"/>
+    <a:lumOff val="50000"/>
+  </cs:variation>
+</cs:colorStyle>
+</file>
+
+<file path=ppt/charts/colors13.xml><?xml version="1.0" encoding="utf-8"?>
+<cs:colorStyle xmlns:cs="http://schemas.microsoft.com/office/drawing/2012/chartStyle" xmlns:a="http://schemas.openxmlformats.org/drawingml/2006/main" meth="cycle" id="10">
+  <a:schemeClr val="accent1"/>
+  <a:schemeClr val="accent2"/>
+  <a:schemeClr val="accent3"/>
+  <a:schemeClr val="accent4"/>
+  <a:schemeClr val="accent5"/>
+  <a:schemeClr val="accent6"/>
+  <cs:variation/>
+  <cs:variation>
+    <a:lumMod val="60000"/>
+  </cs:variation>
+  <cs:variation>
+    <a:lumMod val="80000"/>
+    <a:lumOff val="20000"/>
+  </cs:variation>
+  <cs:variation>
+    <a:lumMod val="80000"/>
+  </cs:variation>
+  <cs:variation>
+    <a:lumMod val="60000"/>
+    <a:lumOff val="40000"/>
+  </cs:variation>
+  <cs:variation>
+    <a:lumMod val="50000"/>
+  </cs:variation>
+  <cs:variation>
+    <a:lumMod val="70000"/>
+    <a:lumOff val="30000"/>
+  </cs:variation>
+  <cs:variation>
+    <a:lumMod val="70000"/>
+  </cs:variation>
+  <cs:variation>
+    <a:lumMod val="50000"/>
+    <a:lumOff val="50000"/>
+  </cs:variation>
+</cs:colorStyle>
+</file>
+
 <file path=ppt/charts/colors2.xml><?xml version="1.0" encoding="utf-8"?>
 <cs:colorStyle xmlns:cs="http://schemas.microsoft.com/office/drawing/2012/chartStyle" xmlns:a="http://schemas.openxmlformats.org/drawingml/2006/main" meth="cycle" id="10">
   <a:schemeClr val="accent1"/>
@@ -3924,6 +5302,2018 @@
 </cs:chartStyle>
 </file>
 
+<file path=ppt/charts/style10.xml><?xml version="1.0" encoding="utf-8"?>
+<cs:chartStyle xmlns:cs="http://schemas.microsoft.com/office/drawing/2012/chartStyle" xmlns:a="http://schemas.openxmlformats.org/drawingml/2006/main" id="201">
+  <cs:axisTitle>
+    <cs:lnRef idx="0"/>
+    <cs:fillRef idx="0"/>
+    <cs:effectRef idx="0"/>
+    <cs:fontRef idx="minor">
+      <a:schemeClr val="tx1">
+        <a:lumMod val="65000"/>
+        <a:lumOff val="35000"/>
+      </a:schemeClr>
+    </cs:fontRef>
+    <cs:defRPr sz="1330" kern="1200"/>
+  </cs:axisTitle>
+  <cs:categoryAxis>
+    <cs:lnRef idx="0"/>
+    <cs:fillRef idx="0"/>
+    <cs:effectRef idx="0"/>
+    <cs:fontRef idx="minor">
+      <a:schemeClr val="tx1">
+        <a:lumMod val="65000"/>
+        <a:lumOff val="35000"/>
+      </a:schemeClr>
+    </cs:fontRef>
+    <cs:spPr>
+      <a:ln w="9525" cap="flat" cmpd="sng" algn="ctr">
+        <a:solidFill>
+          <a:schemeClr val="tx1">
+            <a:lumMod val="15000"/>
+            <a:lumOff val="85000"/>
+          </a:schemeClr>
+        </a:solidFill>
+        <a:round/>
+      </a:ln>
+    </cs:spPr>
+    <cs:defRPr sz="1197" kern="1200"/>
+  </cs:categoryAxis>
+  <cs:chartArea mods="allowNoFillOverride allowNoLineOverride">
+    <cs:lnRef idx="0"/>
+    <cs:fillRef idx="0"/>
+    <cs:effectRef idx="0"/>
+    <cs:fontRef idx="minor">
+      <a:schemeClr val="tx1"/>
+    </cs:fontRef>
+    <cs:spPr>
+      <a:solidFill>
+        <a:schemeClr val="bg1"/>
+      </a:solidFill>
+      <a:ln w="9525" cap="flat" cmpd="sng" algn="ctr">
+        <a:solidFill>
+          <a:schemeClr val="tx1">
+            <a:lumMod val="15000"/>
+            <a:lumOff val="85000"/>
+          </a:schemeClr>
+        </a:solidFill>
+        <a:round/>
+      </a:ln>
+    </cs:spPr>
+    <cs:defRPr sz="1330" kern="1200"/>
+  </cs:chartArea>
+  <cs:dataLabel>
+    <cs:lnRef idx="0"/>
+    <cs:fillRef idx="0"/>
+    <cs:effectRef idx="0"/>
+    <cs:fontRef idx="minor">
+      <a:schemeClr val="tx1">
+        <a:lumMod val="75000"/>
+        <a:lumOff val="25000"/>
+      </a:schemeClr>
+    </cs:fontRef>
+    <cs:defRPr sz="1197" kern="1200"/>
+  </cs:dataLabel>
+  <cs:dataLabelCallout>
+    <cs:lnRef idx="0"/>
+    <cs:fillRef idx="0"/>
+    <cs:effectRef idx="0"/>
+    <cs:fontRef idx="minor">
+      <a:schemeClr val="dk1">
+        <a:lumMod val="65000"/>
+        <a:lumOff val="35000"/>
+      </a:schemeClr>
+    </cs:fontRef>
+    <cs:spPr>
+      <a:solidFill>
+        <a:schemeClr val="lt1"/>
+      </a:solidFill>
+      <a:ln>
+        <a:solidFill>
+          <a:schemeClr val="dk1">
+            <a:lumMod val="25000"/>
+            <a:lumOff val="75000"/>
+          </a:schemeClr>
+        </a:solidFill>
+      </a:ln>
+    </cs:spPr>
+    <cs:defRPr sz="1197" kern="1200"/>
+    <cs:bodyPr rot="0" spcFirstLastPara="1" vertOverflow="clip" horzOverflow="clip" vert="horz" wrap="square" lIns="36576" tIns="18288" rIns="36576" bIns="18288" anchor="ctr" anchorCtr="1">
+      <a:spAutoFit/>
+    </cs:bodyPr>
+  </cs:dataLabelCallout>
+  <cs:dataPoint>
+    <cs:lnRef idx="0"/>
+    <cs:fillRef idx="1">
+      <cs:styleClr val="auto"/>
+    </cs:fillRef>
+    <cs:effectRef idx="0"/>
+    <cs:fontRef idx="minor">
+      <a:schemeClr val="tx1"/>
+    </cs:fontRef>
+  </cs:dataPoint>
+  <cs:dataPoint3D>
+    <cs:lnRef idx="0"/>
+    <cs:fillRef idx="1">
+      <cs:styleClr val="auto"/>
+    </cs:fillRef>
+    <cs:effectRef idx="0"/>
+    <cs:fontRef idx="minor">
+      <a:schemeClr val="tx1"/>
+    </cs:fontRef>
+  </cs:dataPoint3D>
+  <cs:dataPointLine>
+    <cs:lnRef idx="0">
+      <cs:styleClr val="auto"/>
+    </cs:lnRef>
+    <cs:fillRef idx="1"/>
+    <cs:effectRef idx="0"/>
+    <cs:fontRef idx="minor">
+      <a:schemeClr val="tx1"/>
+    </cs:fontRef>
+    <cs:spPr>
+      <a:ln w="28575" cap="rnd">
+        <a:solidFill>
+          <a:schemeClr val="phClr"/>
+        </a:solidFill>
+        <a:round/>
+      </a:ln>
+    </cs:spPr>
+  </cs:dataPointLine>
+  <cs:dataPointMarker>
+    <cs:lnRef idx="0">
+      <cs:styleClr val="auto"/>
+    </cs:lnRef>
+    <cs:fillRef idx="1">
+      <cs:styleClr val="auto"/>
+    </cs:fillRef>
+    <cs:effectRef idx="0"/>
+    <cs:fontRef idx="minor">
+      <a:schemeClr val="tx1"/>
+    </cs:fontRef>
+    <cs:spPr>
+      <a:ln w="9525">
+        <a:solidFill>
+          <a:schemeClr val="phClr"/>
+        </a:solidFill>
+      </a:ln>
+    </cs:spPr>
+  </cs:dataPointMarker>
+  <cs:dataPointMarkerLayout symbol="circle" size="5"/>
+  <cs:dataPointWireframe>
+    <cs:lnRef idx="0">
+      <cs:styleClr val="auto"/>
+    </cs:lnRef>
+    <cs:fillRef idx="1"/>
+    <cs:effectRef idx="0"/>
+    <cs:fontRef idx="minor">
+      <a:schemeClr val="tx1"/>
+    </cs:fontRef>
+    <cs:spPr>
+      <a:ln w="9525" cap="rnd">
+        <a:solidFill>
+          <a:schemeClr val="phClr"/>
+        </a:solidFill>
+        <a:round/>
+      </a:ln>
+    </cs:spPr>
+  </cs:dataPointWireframe>
+  <cs:dataTable>
+    <cs:lnRef idx="0"/>
+    <cs:fillRef idx="0"/>
+    <cs:effectRef idx="0"/>
+    <cs:fontRef idx="minor">
+      <a:schemeClr val="tx1">
+        <a:lumMod val="65000"/>
+        <a:lumOff val="35000"/>
+      </a:schemeClr>
+    </cs:fontRef>
+    <cs:spPr>
+      <a:noFill/>
+      <a:ln w="9525" cap="flat" cmpd="sng" algn="ctr">
+        <a:solidFill>
+          <a:schemeClr val="tx1">
+            <a:lumMod val="15000"/>
+            <a:lumOff val="85000"/>
+          </a:schemeClr>
+        </a:solidFill>
+        <a:round/>
+      </a:ln>
+    </cs:spPr>
+    <cs:defRPr sz="1197" kern="1200"/>
+  </cs:dataTable>
+  <cs:downBar>
+    <cs:lnRef idx="0"/>
+    <cs:fillRef idx="0"/>
+    <cs:effectRef idx="0"/>
+    <cs:fontRef idx="minor">
+      <a:schemeClr val="dk1"/>
+    </cs:fontRef>
+    <cs:spPr>
+      <a:solidFill>
+        <a:schemeClr val="dk1">
+          <a:lumMod val="65000"/>
+          <a:lumOff val="35000"/>
+        </a:schemeClr>
+      </a:solidFill>
+      <a:ln w="9525">
+        <a:solidFill>
+          <a:schemeClr val="tx1">
+            <a:lumMod val="65000"/>
+            <a:lumOff val="35000"/>
+          </a:schemeClr>
+        </a:solidFill>
+      </a:ln>
+    </cs:spPr>
+  </cs:downBar>
+  <cs:dropLine>
+    <cs:lnRef idx="0"/>
+    <cs:fillRef idx="0"/>
+    <cs:effectRef idx="0"/>
+    <cs:fontRef idx="minor">
+      <a:schemeClr val="tx1"/>
+    </cs:fontRef>
+    <cs:spPr>
+      <a:ln w="9525" cap="flat" cmpd="sng" algn="ctr">
+        <a:solidFill>
+          <a:schemeClr val="tx1">
+            <a:lumMod val="35000"/>
+            <a:lumOff val="65000"/>
+          </a:schemeClr>
+        </a:solidFill>
+        <a:round/>
+      </a:ln>
+    </cs:spPr>
+  </cs:dropLine>
+  <cs:errorBar>
+    <cs:lnRef idx="0"/>
+    <cs:fillRef idx="0"/>
+    <cs:effectRef idx="0"/>
+    <cs:fontRef idx="minor">
+      <a:schemeClr val="tx1"/>
+    </cs:fontRef>
+    <cs:spPr>
+      <a:ln w="9525" cap="flat" cmpd="sng" algn="ctr">
+        <a:solidFill>
+          <a:schemeClr val="tx1">
+            <a:lumMod val="65000"/>
+            <a:lumOff val="35000"/>
+          </a:schemeClr>
+        </a:solidFill>
+        <a:round/>
+      </a:ln>
+    </cs:spPr>
+  </cs:errorBar>
+  <cs:floor>
+    <cs:lnRef idx="0"/>
+    <cs:fillRef idx="0"/>
+    <cs:effectRef idx="0"/>
+    <cs:fontRef idx="minor">
+      <a:schemeClr val="tx1"/>
+    </cs:fontRef>
+    <cs:spPr>
+      <a:noFill/>
+      <a:ln>
+        <a:noFill/>
+      </a:ln>
+    </cs:spPr>
+  </cs:floor>
+  <cs:gridlineMajor>
+    <cs:lnRef idx="0"/>
+    <cs:fillRef idx="0"/>
+    <cs:effectRef idx="0"/>
+    <cs:fontRef idx="minor">
+      <a:schemeClr val="tx1"/>
+    </cs:fontRef>
+    <cs:spPr>
+      <a:ln w="9525" cap="flat" cmpd="sng" algn="ctr">
+        <a:solidFill>
+          <a:schemeClr val="tx1">
+            <a:lumMod val="15000"/>
+            <a:lumOff val="85000"/>
+          </a:schemeClr>
+        </a:solidFill>
+        <a:round/>
+      </a:ln>
+    </cs:spPr>
+  </cs:gridlineMajor>
+  <cs:gridlineMinor>
+    <cs:lnRef idx="0"/>
+    <cs:fillRef idx="0"/>
+    <cs:effectRef idx="0"/>
+    <cs:fontRef idx="minor">
+      <a:schemeClr val="tx1"/>
+    </cs:fontRef>
+    <cs:spPr>
+      <a:ln w="9525" cap="flat" cmpd="sng" algn="ctr">
+        <a:solidFill>
+          <a:schemeClr val="tx1">
+            <a:lumMod val="5000"/>
+            <a:lumOff val="95000"/>
+          </a:schemeClr>
+        </a:solidFill>
+        <a:round/>
+      </a:ln>
+    </cs:spPr>
+  </cs:gridlineMinor>
+  <cs:hiLoLine>
+    <cs:lnRef idx="0"/>
+    <cs:fillRef idx="0"/>
+    <cs:effectRef idx="0"/>
+    <cs:fontRef idx="minor">
+      <a:schemeClr val="tx1"/>
+    </cs:fontRef>
+    <cs:spPr>
+      <a:ln w="9525" cap="flat" cmpd="sng" algn="ctr">
+        <a:solidFill>
+          <a:schemeClr val="tx1">
+            <a:lumMod val="75000"/>
+            <a:lumOff val="25000"/>
+          </a:schemeClr>
+        </a:solidFill>
+        <a:round/>
+      </a:ln>
+    </cs:spPr>
+  </cs:hiLoLine>
+  <cs:leaderLine>
+    <cs:lnRef idx="0"/>
+    <cs:fillRef idx="0"/>
+    <cs:effectRef idx="0"/>
+    <cs:fontRef idx="minor">
+      <a:schemeClr val="tx1"/>
+    </cs:fontRef>
+    <cs:spPr>
+      <a:ln w="9525" cap="flat" cmpd="sng" algn="ctr">
+        <a:solidFill>
+          <a:schemeClr val="tx1">
+            <a:lumMod val="35000"/>
+            <a:lumOff val="65000"/>
+          </a:schemeClr>
+        </a:solidFill>
+        <a:round/>
+      </a:ln>
+    </cs:spPr>
+  </cs:leaderLine>
+  <cs:legend>
+    <cs:lnRef idx="0"/>
+    <cs:fillRef idx="0"/>
+    <cs:effectRef idx="0"/>
+    <cs:fontRef idx="minor">
+      <a:schemeClr val="tx1">
+        <a:lumMod val="65000"/>
+        <a:lumOff val="35000"/>
+      </a:schemeClr>
+    </cs:fontRef>
+    <cs:defRPr sz="1197" kern="1200"/>
+  </cs:legend>
+  <cs:plotArea mods="allowNoFillOverride allowNoLineOverride">
+    <cs:lnRef idx="0"/>
+    <cs:fillRef idx="0"/>
+    <cs:effectRef idx="0"/>
+    <cs:fontRef idx="minor">
+      <a:schemeClr val="tx1"/>
+    </cs:fontRef>
+  </cs:plotArea>
+  <cs:plotArea3D mods="allowNoFillOverride allowNoLineOverride">
+    <cs:lnRef idx="0"/>
+    <cs:fillRef idx="0"/>
+    <cs:effectRef idx="0"/>
+    <cs:fontRef idx="minor">
+      <a:schemeClr val="tx1"/>
+    </cs:fontRef>
+  </cs:plotArea3D>
+  <cs:seriesAxis>
+    <cs:lnRef idx="0"/>
+    <cs:fillRef idx="0"/>
+    <cs:effectRef idx="0"/>
+    <cs:fontRef idx="minor">
+      <a:schemeClr val="tx1">
+        <a:lumMod val="65000"/>
+        <a:lumOff val="35000"/>
+      </a:schemeClr>
+    </cs:fontRef>
+    <cs:defRPr sz="1197" kern="1200"/>
+  </cs:seriesAxis>
+  <cs:seriesLine>
+    <cs:lnRef idx="0"/>
+    <cs:fillRef idx="0"/>
+    <cs:effectRef idx="0"/>
+    <cs:fontRef idx="minor">
+      <a:schemeClr val="tx1"/>
+    </cs:fontRef>
+    <cs:spPr>
+      <a:ln w="9525" cap="flat" cmpd="sng" algn="ctr">
+        <a:solidFill>
+          <a:schemeClr val="tx1">
+            <a:lumMod val="35000"/>
+            <a:lumOff val="65000"/>
+          </a:schemeClr>
+        </a:solidFill>
+        <a:round/>
+      </a:ln>
+    </cs:spPr>
+  </cs:seriesLine>
+  <cs:title>
+    <cs:lnRef idx="0"/>
+    <cs:fillRef idx="0"/>
+    <cs:effectRef idx="0"/>
+    <cs:fontRef idx="minor">
+      <a:schemeClr val="tx1">
+        <a:lumMod val="65000"/>
+        <a:lumOff val="35000"/>
+      </a:schemeClr>
+    </cs:fontRef>
+    <cs:defRPr sz="1862" b="0" kern="1200" spc="0" baseline="0"/>
+  </cs:title>
+  <cs:trendline>
+    <cs:lnRef idx="0">
+      <cs:styleClr val="auto"/>
+    </cs:lnRef>
+    <cs:fillRef idx="0"/>
+    <cs:effectRef idx="0"/>
+    <cs:fontRef idx="minor">
+      <a:schemeClr val="tx1"/>
+    </cs:fontRef>
+    <cs:spPr>
+      <a:ln w="19050" cap="rnd">
+        <a:solidFill>
+          <a:schemeClr val="phClr"/>
+        </a:solidFill>
+        <a:prstDash val="sysDot"/>
+      </a:ln>
+    </cs:spPr>
+  </cs:trendline>
+  <cs:trendlineLabel>
+    <cs:lnRef idx="0"/>
+    <cs:fillRef idx="0"/>
+    <cs:effectRef idx="0"/>
+    <cs:fontRef idx="minor">
+      <a:schemeClr val="tx1">
+        <a:lumMod val="65000"/>
+        <a:lumOff val="35000"/>
+      </a:schemeClr>
+    </cs:fontRef>
+    <cs:defRPr sz="1197" kern="1200"/>
+  </cs:trendlineLabel>
+  <cs:upBar>
+    <cs:lnRef idx="0"/>
+    <cs:fillRef idx="0"/>
+    <cs:effectRef idx="0"/>
+    <cs:fontRef idx="minor">
+      <a:schemeClr val="dk1"/>
+    </cs:fontRef>
+    <cs:spPr>
+      <a:solidFill>
+        <a:schemeClr val="lt1"/>
+      </a:solidFill>
+      <a:ln w="9525">
+        <a:solidFill>
+          <a:schemeClr val="tx1">
+            <a:lumMod val="15000"/>
+            <a:lumOff val="85000"/>
+          </a:schemeClr>
+        </a:solidFill>
+      </a:ln>
+    </cs:spPr>
+  </cs:upBar>
+  <cs:valueAxis>
+    <cs:lnRef idx="0"/>
+    <cs:fillRef idx="0"/>
+    <cs:effectRef idx="0"/>
+    <cs:fontRef idx="minor">
+      <a:schemeClr val="tx1">
+        <a:lumMod val="65000"/>
+        <a:lumOff val="35000"/>
+      </a:schemeClr>
+    </cs:fontRef>
+    <cs:defRPr sz="1197" kern="1200"/>
+  </cs:valueAxis>
+  <cs:wall>
+    <cs:lnRef idx="0"/>
+    <cs:fillRef idx="0"/>
+    <cs:effectRef idx="0"/>
+    <cs:fontRef idx="minor">
+      <a:schemeClr val="tx1"/>
+    </cs:fontRef>
+    <cs:spPr>
+      <a:noFill/>
+      <a:ln>
+        <a:noFill/>
+      </a:ln>
+    </cs:spPr>
+  </cs:wall>
+</cs:chartStyle>
+</file>
+
+<file path=ppt/charts/style11.xml><?xml version="1.0" encoding="utf-8"?>
+<cs:chartStyle xmlns:cs="http://schemas.microsoft.com/office/drawing/2012/chartStyle" xmlns:a="http://schemas.openxmlformats.org/drawingml/2006/main" id="201">
+  <cs:axisTitle>
+    <cs:lnRef idx="0"/>
+    <cs:fillRef idx="0"/>
+    <cs:effectRef idx="0"/>
+    <cs:fontRef idx="minor">
+      <a:schemeClr val="tx1">
+        <a:lumMod val="65000"/>
+        <a:lumOff val="35000"/>
+      </a:schemeClr>
+    </cs:fontRef>
+    <cs:defRPr sz="1330" kern="1200"/>
+  </cs:axisTitle>
+  <cs:categoryAxis>
+    <cs:lnRef idx="0"/>
+    <cs:fillRef idx="0"/>
+    <cs:effectRef idx="0"/>
+    <cs:fontRef idx="minor">
+      <a:schemeClr val="tx1">
+        <a:lumMod val="65000"/>
+        <a:lumOff val="35000"/>
+      </a:schemeClr>
+    </cs:fontRef>
+    <cs:spPr>
+      <a:ln w="9525" cap="flat" cmpd="sng" algn="ctr">
+        <a:solidFill>
+          <a:schemeClr val="tx1">
+            <a:lumMod val="15000"/>
+            <a:lumOff val="85000"/>
+          </a:schemeClr>
+        </a:solidFill>
+        <a:round/>
+      </a:ln>
+    </cs:spPr>
+    <cs:defRPr sz="1197" kern="1200"/>
+  </cs:categoryAxis>
+  <cs:chartArea mods="allowNoFillOverride allowNoLineOverride">
+    <cs:lnRef idx="0"/>
+    <cs:fillRef idx="0"/>
+    <cs:effectRef idx="0"/>
+    <cs:fontRef idx="minor">
+      <a:schemeClr val="tx1"/>
+    </cs:fontRef>
+    <cs:spPr>
+      <a:solidFill>
+        <a:schemeClr val="bg1"/>
+      </a:solidFill>
+      <a:ln w="9525" cap="flat" cmpd="sng" algn="ctr">
+        <a:solidFill>
+          <a:schemeClr val="tx1">
+            <a:lumMod val="15000"/>
+            <a:lumOff val="85000"/>
+          </a:schemeClr>
+        </a:solidFill>
+        <a:round/>
+      </a:ln>
+    </cs:spPr>
+    <cs:defRPr sz="1330" kern="1200"/>
+  </cs:chartArea>
+  <cs:dataLabel>
+    <cs:lnRef idx="0"/>
+    <cs:fillRef idx="0"/>
+    <cs:effectRef idx="0"/>
+    <cs:fontRef idx="minor">
+      <a:schemeClr val="tx1">
+        <a:lumMod val="75000"/>
+        <a:lumOff val="25000"/>
+      </a:schemeClr>
+    </cs:fontRef>
+    <cs:defRPr sz="1197" kern="1200"/>
+  </cs:dataLabel>
+  <cs:dataLabelCallout>
+    <cs:lnRef idx="0"/>
+    <cs:fillRef idx="0"/>
+    <cs:effectRef idx="0"/>
+    <cs:fontRef idx="minor">
+      <a:schemeClr val="dk1">
+        <a:lumMod val="65000"/>
+        <a:lumOff val="35000"/>
+      </a:schemeClr>
+    </cs:fontRef>
+    <cs:spPr>
+      <a:solidFill>
+        <a:schemeClr val="lt1"/>
+      </a:solidFill>
+      <a:ln>
+        <a:solidFill>
+          <a:schemeClr val="dk1">
+            <a:lumMod val="25000"/>
+            <a:lumOff val="75000"/>
+          </a:schemeClr>
+        </a:solidFill>
+      </a:ln>
+    </cs:spPr>
+    <cs:defRPr sz="1197" kern="1200"/>
+    <cs:bodyPr rot="0" spcFirstLastPara="1" vertOverflow="clip" horzOverflow="clip" vert="horz" wrap="square" lIns="36576" tIns="18288" rIns="36576" bIns="18288" anchor="ctr" anchorCtr="1">
+      <a:spAutoFit/>
+    </cs:bodyPr>
+  </cs:dataLabelCallout>
+  <cs:dataPoint>
+    <cs:lnRef idx="0"/>
+    <cs:fillRef idx="1">
+      <cs:styleClr val="auto"/>
+    </cs:fillRef>
+    <cs:effectRef idx="0"/>
+    <cs:fontRef idx="minor">
+      <a:schemeClr val="tx1"/>
+    </cs:fontRef>
+  </cs:dataPoint>
+  <cs:dataPoint3D>
+    <cs:lnRef idx="0"/>
+    <cs:fillRef idx="1">
+      <cs:styleClr val="auto"/>
+    </cs:fillRef>
+    <cs:effectRef idx="0"/>
+    <cs:fontRef idx="minor">
+      <a:schemeClr val="tx1"/>
+    </cs:fontRef>
+  </cs:dataPoint3D>
+  <cs:dataPointLine>
+    <cs:lnRef idx="0">
+      <cs:styleClr val="auto"/>
+    </cs:lnRef>
+    <cs:fillRef idx="1"/>
+    <cs:effectRef idx="0"/>
+    <cs:fontRef idx="minor">
+      <a:schemeClr val="tx1"/>
+    </cs:fontRef>
+    <cs:spPr>
+      <a:ln w="28575" cap="rnd">
+        <a:solidFill>
+          <a:schemeClr val="phClr"/>
+        </a:solidFill>
+        <a:round/>
+      </a:ln>
+    </cs:spPr>
+  </cs:dataPointLine>
+  <cs:dataPointMarker>
+    <cs:lnRef idx="0">
+      <cs:styleClr val="auto"/>
+    </cs:lnRef>
+    <cs:fillRef idx="1">
+      <cs:styleClr val="auto"/>
+    </cs:fillRef>
+    <cs:effectRef idx="0"/>
+    <cs:fontRef idx="minor">
+      <a:schemeClr val="tx1"/>
+    </cs:fontRef>
+    <cs:spPr>
+      <a:ln w="9525">
+        <a:solidFill>
+          <a:schemeClr val="phClr"/>
+        </a:solidFill>
+      </a:ln>
+    </cs:spPr>
+  </cs:dataPointMarker>
+  <cs:dataPointMarkerLayout symbol="circle" size="5"/>
+  <cs:dataPointWireframe>
+    <cs:lnRef idx="0">
+      <cs:styleClr val="auto"/>
+    </cs:lnRef>
+    <cs:fillRef idx="1"/>
+    <cs:effectRef idx="0"/>
+    <cs:fontRef idx="minor">
+      <a:schemeClr val="tx1"/>
+    </cs:fontRef>
+    <cs:spPr>
+      <a:ln w="9525" cap="rnd">
+        <a:solidFill>
+          <a:schemeClr val="phClr"/>
+        </a:solidFill>
+        <a:round/>
+      </a:ln>
+    </cs:spPr>
+  </cs:dataPointWireframe>
+  <cs:dataTable>
+    <cs:lnRef idx="0"/>
+    <cs:fillRef idx="0"/>
+    <cs:effectRef idx="0"/>
+    <cs:fontRef idx="minor">
+      <a:schemeClr val="tx1">
+        <a:lumMod val="65000"/>
+        <a:lumOff val="35000"/>
+      </a:schemeClr>
+    </cs:fontRef>
+    <cs:spPr>
+      <a:noFill/>
+      <a:ln w="9525" cap="flat" cmpd="sng" algn="ctr">
+        <a:solidFill>
+          <a:schemeClr val="tx1">
+            <a:lumMod val="15000"/>
+            <a:lumOff val="85000"/>
+          </a:schemeClr>
+        </a:solidFill>
+        <a:round/>
+      </a:ln>
+    </cs:spPr>
+    <cs:defRPr sz="1197" kern="1200"/>
+  </cs:dataTable>
+  <cs:downBar>
+    <cs:lnRef idx="0"/>
+    <cs:fillRef idx="0"/>
+    <cs:effectRef idx="0"/>
+    <cs:fontRef idx="minor">
+      <a:schemeClr val="dk1"/>
+    </cs:fontRef>
+    <cs:spPr>
+      <a:solidFill>
+        <a:schemeClr val="dk1">
+          <a:lumMod val="65000"/>
+          <a:lumOff val="35000"/>
+        </a:schemeClr>
+      </a:solidFill>
+      <a:ln w="9525">
+        <a:solidFill>
+          <a:schemeClr val="tx1">
+            <a:lumMod val="65000"/>
+            <a:lumOff val="35000"/>
+          </a:schemeClr>
+        </a:solidFill>
+      </a:ln>
+    </cs:spPr>
+  </cs:downBar>
+  <cs:dropLine>
+    <cs:lnRef idx="0"/>
+    <cs:fillRef idx="0"/>
+    <cs:effectRef idx="0"/>
+    <cs:fontRef idx="minor">
+      <a:schemeClr val="tx1"/>
+    </cs:fontRef>
+    <cs:spPr>
+      <a:ln w="9525" cap="flat" cmpd="sng" algn="ctr">
+        <a:solidFill>
+          <a:schemeClr val="tx1">
+            <a:lumMod val="35000"/>
+            <a:lumOff val="65000"/>
+          </a:schemeClr>
+        </a:solidFill>
+        <a:round/>
+      </a:ln>
+    </cs:spPr>
+  </cs:dropLine>
+  <cs:errorBar>
+    <cs:lnRef idx="0"/>
+    <cs:fillRef idx="0"/>
+    <cs:effectRef idx="0"/>
+    <cs:fontRef idx="minor">
+      <a:schemeClr val="tx1"/>
+    </cs:fontRef>
+    <cs:spPr>
+      <a:ln w="9525" cap="flat" cmpd="sng" algn="ctr">
+        <a:solidFill>
+          <a:schemeClr val="tx1">
+            <a:lumMod val="65000"/>
+            <a:lumOff val="35000"/>
+          </a:schemeClr>
+        </a:solidFill>
+        <a:round/>
+      </a:ln>
+    </cs:spPr>
+  </cs:errorBar>
+  <cs:floor>
+    <cs:lnRef idx="0"/>
+    <cs:fillRef idx="0"/>
+    <cs:effectRef idx="0"/>
+    <cs:fontRef idx="minor">
+      <a:schemeClr val="tx1"/>
+    </cs:fontRef>
+    <cs:spPr>
+      <a:noFill/>
+      <a:ln>
+        <a:noFill/>
+      </a:ln>
+    </cs:spPr>
+  </cs:floor>
+  <cs:gridlineMajor>
+    <cs:lnRef idx="0"/>
+    <cs:fillRef idx="0"/>
+    <cs:effectRef idx="0"/>
+    <cs:fontRef idx="minor">
+      <a:schemeClr val="tx1"/>
+    </cs:fontRef>
+    <cs:spPr>
+      <a:ln w="9525" cap="flat" cmpd="sng" algn="ctr">
+        <a:solidFill>
+          <a:schemeClr val="tx1">
+            <a:lumMod val="15000"/>
+            <a:lumOff val="85000"/>
+          </a:schemeClr>
+        </a:solidFill>
+        <a:round/>
+      </a:ln>
+    </cs:spPr>
+  </cs:gridlineMajor>
+  <cs:gridlineMinor>
+    <cs:lnRef idx="0"/>
+    <cs:fillRef idx="0"/>
+    <cs:effectRef idx="0"/>
+    <cs:fontRef idx="minor">
+      <a:schemeClr val="tx1"/>
+    </cs:fontRef>
+    <cs:spPr>
+      <a:ln w="9525" cap="flat" cmpd="sng" algn="ctr">
+        <a:solidFill>
+          <a:schemeClr val="tx1">
+            <a:lumMod val="5000"/>
+            <a:lumOff val="95000"/>
+          </a:schemeClr>
+        </a:solidFill>
+        <a:round/>
+      </a:ln>
+    </cs:spPr>
+  </cs:gridlineMinor>
+  <cs:hiLoLine>
+    <cs:lnRef idx="0"/>
+    <cs:fillRef idx="0"/>
+    <cs:effectRef idx="0"/>
+    <cs:fontRef idx="minor">
+      <a:schemeClr val="tx1"/>
+    </cs:fontRef>
+    <cs:spPr>
+      <a:ln w="9525" cap="flat" cmpd="sng" algn="ctr">
+        <a:solidFill>
+          <a:schemeClr val="tx1">
+            <a:lumMod val="75000"/>
+            <a:lumOff val="25000"/>
+          </a:schemeClr>
+        </a:solidFill>
+        <a:round/>
+      </a:ln>
+    </cs:spPr>
+  </cs:hiLoLine>
+  <cs:leaderLine>
+    <cs:lnRef idx="0"/>
+    <cs:fillRef idx="0"/>
+    <cs:effectRef idx="0"/>
+    <cs:fontRef idx="minor">
+      <a:schemeClr val="tx1"/>
+    </cs:fontRef>
+    <cs:spPr>
+      <a:ln w="9525" cap="flat" cmpd="sng" algn="ctr">
+        <a:solidFill>
+          <a:schemeClr val="tx1">
+            <a:lumMod val="35000"/>
+            <a:lumOff val="65000"/>
+          </a:schemeClr>
+        </a:solidFill>
+        <a:round/>
+      </a:ln>
+    </cs:spPr>
+  </cs:leaderLine>
+  <cs:legend>
+    <cs:lnRef idx="0"/>
+    <cs:fillRef idx="0"/>
+    <cs:effectRef idx="0"/>
+    <cs:fontRef idx="minor">
+      <a:schemeClr val="tx1">
+        <a:lumMod val="65000"/>
+        <a:lumOff val="35000"/>
+      </a:schemeClr>
+    </cs:fontRef>
+    <cs:defRPr sz="1197" kern="1200"/>
+  </cs:legend>
+  <cs:plotArea mods="allowNoFillOverride allowNoLineOverride">
+    <cs:lnRef idx="0"/>
+    <cs:fillRef idx="0"/>
+    <cs:effectRef idx="0"/>
+    <cs:fontRef idx="minor">
+      <a:schemeClr val="tx1"/>
+    </cs:fontRef>
+  </cs:plotArea>
+  <cs:plotArea3D mods="allowNoFillOverride allowNoLineOverride">
+    <cs:lnRef idx="0"/>
+    <cs:fillRef idx="0"/>
+    <cs:effectRef idx="0"/>
+    <cs:fontRef idx="minor">
+      <a:schemeClr val="tx1"/>
+    </cs:fontRef>
+  </cs:plotArea3D>
+  <cs:seriesAxis>
+    <cs:lnRef idx="0"/>
+    <cs:fillRef idx="0"/>
+    <cs:effectRef idx="0"/>
+    <cs:fontRef idx="minor">
+      <a:schemeClr val="tx1">
+        <a:lumMod val="65000"/>
+        <a:lumOff val="35000"/>
+      </a:schemeClr>
+    </cs:fontRef>
+    <cs:defRPr sz="1197" kern="1200"/>
+  </cs:seriesAxis>
+  <cs:seriesLine>
+    <cs:lnRef idx="0"/>
+    <cs:fillRef idx="0"/>
+    <cs:effectRef idx="0"/>
+    <cs:fontRef idx="minor">
+      <a:schemeClr val="tx1"/>
+    </cs:fontRef>
+    <cs:spPr>
+      <a:ln w="9525" cap="flat" cmpd="sng" algn="ctr">
+        <a:solidFill>
+          <a:schemeClr val="tx1">
+            <a:lumMod val="35000"/>
+            <a:lumOff val="65000"/>
+          </a:schemeClr>
+        </a:solidFill>
+        <a:round/>
+      </a:ln>
+    </cs:spPr>
+  </cs:seriesLine>
+  <cs:title>
+    <cs:lnRef idx="0"/>
+    <cs:fillRef idx="0"/>
+    <cs:effectRef idx="0"/>
+    <cs:fontRef idx="minor">
+      <a:schemeClr val="tx1">
+        <a:lumMod val="65000"/>
+        <a:lumOff val="35000"/>
+      </a:schemeClr>
+    </cs:fontRef>
+    <cs:defRPr sz="1862" b="0" kern="1200" spc="0" baseline="0"/>
+  </cs:title>
+  <cs:trendline>
+    <cs:lnRef idx="0">
+      <cs:styleClr val="auto"/>
+    </cs:lnRef>
+    <cs:fillRef idx="0"/>
+    <cs:effectRef idx="0"/>
+    <cs:fontRef idx="minor">
+      <a:schemeClr val="tx1"/>
+    </cs:fontRef>
+    <cs:spPr>
+      <a:ln w="19050" cap="rnd">
+        <a:solidFill>
+          <a:schemeClr val="phClr"/>
+        </a:solidFill>
+        <a:prstDash val="sysDot"/>
+      </a:ln>
+    </cs:spPr>
+  </cs:trendline>
+  <cs:trendlineLabel>
+    <cs:lnRef idx="0"/>
+    <cs:fillRef idx="0"/>
+    <cs:effectRef idx="0"/>
+    <cs:fontRef idx="minor">
+      <a:schemeClr val="tx1">
+        <a:lumMod val="65000"/>
+        <a:lumOff val="35000"/>
+      </a:schemeClr>
+    </cs:fontRef>
+    <cs:defRPr sz="1197" kern="1200"/>
+  </cs:trendlineLabel>
+  <cs:upBar>
+    <cs:lnRef idx="0"/>
+    <cs:fillRef idx="0"/>
+    <cs:effectRef idx="0"/>
+    <cs:fontRef idx="minor">
+      <a:schemeClr val="dk1"/>
+    </cs:fontRef>
+    <cs:spPr>
+      <a:solidFill>
+        <a:schemeClr val="lt1"/>
+      </a:solidFill>
+      <a:ln w="9525">
+        <a:solidFill>
+          <a:schemeClr val="tx1">
+            <a:lumMod val="15000"/>
+            <a:lumOff val="85000"/>
+          </a:schemeClr>
+        </a:solidFill>
+      </a:ln>
+    </cs:spPr>
+  </cs:upBar>
+  <cs:valueAxis>
+    <cs:lnRef idx="0"/>
+    <cs:fillRef idx="0"/>
+    <cs:effectRef idx="0"/>
+    <cs:fontRef idx="minor">
+      <a:schemeClr val="tx1">
+        <a:lumMod val="65000"/>
+        <a:lumOff val="35000"/>
+      </a:schemeClr>
+    </cs:fontRef>
+    <cs:defRPr sz="1197" kern="1200"/>
+  </cs:valueAxis>
+  <cs:wall>
+    <cs:lnRef idx="0"/>
+    <cs:fillRef idx="0"/>
+    <cs:effectRef idx="0"/>
+    <cs:fontRef idx="minor">
+      <a:schemeClr val="tx1"/>
+    </cs:fontRef>
+    <cs:spPr>
+      <a:noFill/>
+      <a:ln>
+        <a:noFill/>
+      </a:ln>
+    </cs:spPr>
+  </cs:wall>
+</cs:chartStyle>
+</file>
+
+<file path=ppt/charts/style12.xml><?xml version="1.0" encoding="utf-8"?>
+<cs:chartStyle xmlns:cs="http://schemas.microsoft.com/office/drawing/2012/chartStyle" xmlns:a="http://schemas.openxmlformats.org/drawingml/2006/main" id="201">
+  <cs:axisTitle>
+    <cs:lnRef idx="0"/>
+    <cs:fillRef idx="0"/>
+    <cs:effectRef idx="0"/>
+    <cs:fontRef idx="minor">
+      <a:schemeClr val="tx1">
+        <a:lumMod val="65000"/>
+        <a:lumOff val="35000"/>
+      </a:schemeClr>
+    </cs:fontRef>
+    <cs:defRPr sz="1330" kern="1200"/>
+  </cs:axisTitle>
+  <cs:categoryAxis>
+    <cs:lnRef idx="0"/>
+    <cs:fillRef idx="0"/>
+    <cs:effectRef idx="0"/>
+    <cs:fontRef idx="minor">
+      <a:schemeClr val="tx1">
+        <a:lumMod val="65000"/>
+        <a:lumOff val="35000"/>
+      </a:schemeClr>
+    </cs:fontRef>
+    <cs:spPr>
+      <a:ln w="9525" cap="flat" cmpd="sng" algn="ctr">
+        <a:solidFill>
+          <a:schemeClr val="tx1">
+            <a:lumMod val="15000"/>
+            <a:lumOff val="85000"/>
+          </a:schemeClr>
+        </a:solidFill>
+        <a:round/>
+      </a:ln>
+    </cs:spPr>
+    <cs:defRPr sz="1197" kern="1200"/>
+  </cs:categoryAxis>
+  <cs:chartArea mods="allowNoFillOverride allowNoLineOverride">
+    <cs:lnRef idx="0"/>
+    <cs:fillRef idx="0"/>
+    <cs:effectRef idx="0"/>
+    <cs:fontRef idx="minor">
+      <a:schemeClr val="tx1"/>
+    </cs:fontRef>
+    <cs:spPr>
+      <a:solidFill>
+        <a:schemeClr val="bg1"/>
+      </a:solidFill>
+      <a:ln w="9525" cap="flat" cmpd="sng" algn="ctr">
+        <a:solidFill>
+          <a:schemeClr val="tx1">
+            <a:lumMod val="15000"/>
+            <a:lumOff val="85000"/>
+          </a:schemeClr>
+        </a:solidFill>
+        <a:round/>
+      </a:ln>
+    </cs:spPr>
+    <cs:defRPr sz="1330" kern="1200"/>
+  </cs:chartArea>
+  <cs:dataLabel>
+    <cs:lnRef idx="0"/>
+    <cs:fillRef idx="0"/>
+    <cs:effectRef idx="0"/>
+    <cs:fontRef idx="minor">
+      <a:schemeClr val="tx1">
+        <a:lumMod val="75000"/>
+        <a:lumOff val="25000"/>
+      </a:schemeClr>
+    </cs:fontRef>
+    <cs:defRPr sz="1197" kern="1200"/>
+  </cs:dataLabel>
+  <cs:dataLabelCallout>
+    <cs:lnRef idx="0"/>
+    <cs:fillRef idx="0"/>
+    <cs:effectRef idx="0"/>
+    <cs:fontRef idx="minor">
+      <a:schemeClr val="dk1">
+        <a:lumMod val="65000"/>
+        <a:lumOff val="35000"/>
+      </a:schemeClr>
+    </cs:fontRef>
+    <cs:spPr>
+      <a:solidFill>
+        <a:schemeClr val="lt1"/>
+      </a:solidFill>
+      <a:ln>
+        <a:solidFill>
+          <a:schemeClr val="dk1">
+            <a:lumMod val="25000"/>
+            <a:lumOff val="75000"/>
+          </a:schemeClr>
+        </a:solidFill>
+      </a:ln>
+    </cs:spPr>
+    <cs:defRPr sz="1197" kern="1200"/>
+    <cs:bodyPr rot="0" spcFirstLastPara="1" vertOverflow="clip" horzOverflow="clip" vert="horz" wrap="square" lIns="36576" tIns="18288" rIns="36576" bIns="18288" anchor="ctr" anchorCtr="1">
+      <a:spAutoFit/>
+    </cs:bodyPr>
+  </cs:dataLabelCallout>
+  <cs:dataPoint>
+    <cs:lnRef idx="0"/>
+    <cs:fillRef idx="1">
+      <cs:styleClr val="auto"/>
+    </cs:fillRef>
+    <cs:effectRef idx="0"/>
+    <cs:fontRef idx="minor">
+      <a:schemeClr val="tx1"/>
+    </cs:fontRef>
+  </cs:dataPoint>
+  <cs:dataPoint3D>
+    <cs:lnRef idx="0"/>
+    <cs:fillRef idx="1">
+      <cs:styleClr val="auto"/>
+    </cs:fillRef>
+    <cs:effectRef idx="0"/>
+    <cs:fontRef idx="minor">
+      <a:schemeClr val="tx1"/>
+    </cs:fontRef>
+  </cs:dataPoint3D>
+  <cs:dataPointLine>
+    <cs:lnRef idx="0">
+      <cs:styleClr val="auto"/>
+    </cs:lnRef>
+    <cs:fillRef idx="1"/>
+    <cs:effectRef idx="0"/>
+    <cs:fontRef idx="minor">
+      <a:schemeClr val="tx1"/>
+    </cs:fontRef>
+    <cs:spPr>
+      <a:ln w="28575" cap="rnd">
+        <a:solidFill>
+          <a:schemeClr val="phClr"/>
+        </a:solidFill>
+        <a:round/>
+      </a:ln>
+    </cs:spPr>
+  </cs:dataPointLine>
+  <cs:dataPointMarker>
+    <cs:lnRef idx="0">
+      <cs:styleClr val="auto"/>
+    </cs:lnRef>
+    <cs:fillRef idx="1">
+      <cs:styleClr val="auto"/>
+    </cs:fillRef>
+    <cs:effectRef idx="0"/>
+    <cs:fontRef idx="minor">
+      <a:schemeClr val="tx1"/>
+    </cs:fontRef>
+    <cs:spPr>
+      <a:ln w="9525">
+        <a:solidFill>
+          <a:schemeClr val="phClr"/>
+        </a:solidFill>
+      </a:ln>
+    </cs:spPr>
+  </cs:dataPointMarker>
+  <cs:dataPointMarkerLayout symbol="circle" size="5"/>
+  <cs:dataPointWireframe>
+    <cs:lnRef idx="0">
+      <cs:styleClr val="auto"/>
+    </cs:lnRef>
+    <cs:fillRef idx="1"/>
+    <cs:effectRef idx="0"/>
+    <cs:fontRef idx="minor">
+      <a:schemeClr val="tx1"/>
+    </cs:fontRef>
+    <cs:spPr>
+      <a:ln w="9525" cap="rnd">
+        <a:solidFill>
+          <a:schemeClr val="phClr"/>
+        </a:solidFill>
+        <a:round/>
+      </a:ln>
+    </cs:spPr>
+  </cs:dataPointWireframe>
+  <cs:dataTable>
+    <cs:lnRef idx="0"/>
+    <cs:fillRef idx="0"/>
+    <cs:effectRef idx="0"/>
+    <cs:fontRef idx="minor">
+      <a:schemeClr val="tx1">
+        <a:lumMod val="65000"/>
+        <a:lumOff val="35000"/>
+      </a:schemeClr>
+    </cs:fontRef>
+    <cs:spPr>
+      <a:noFill/>
+      <a:ln w="9525" cap="flat" cmpd="sng" algn="ctr">
+        <a:solidFill>
+          <a:schemeClr val="tx1">
+            <a:lumMod val="15000"/>
+            <a:lumOff val="85000"/>
+          </a:schemeClr>
+        </a:solidFill>
+        <a:round/>
+      </a:ln>
+    </cs:spPr>
+    <cs:defRPr sz="1197" kern="1200"/>
+  </cs:dataTable>
+  <cs:downBar>
+    <cs:lnRef idx="0"/>
+    <cs:fillRef idx="0"/>
+    <cs:effectRef idx="0"/>
+    <cs:fontRef idx="minor">
+      <a:schemeClr val="dk1"/>
+    </cs:fontRef>
+    <cs:spPr>
+      <a:solidFill>
+        <a:schemeClr val="dk1">
+          <a:lumMod val="65000"/>
+          <a:lumOff val="35000"/>
+        </a:schemeClr>
+      </a:solidFill>
+      <a:ln w="9525">
+        <a:solidFill>
+          <a:schemeClr val="tx1">
+            <a:lumMod val="65000"/>
+            <a:lumOff val="35000"/>
+          </a:schemeClr>
+        </a:solidFill>
+      </a:ln>
+    </cs:spPr>
+  </cs:downBar>
+  <cs:dropLine>
+    <cs:lnRef idx="0"/>
+    <cs:fillRef idx="0"/>
+    <cs:effectRef idx="0"/>
+    <cs:fontRef idx="minor">
+      <a:schemeClr val="tx1"/>
+    </cs:fontRef>
+    <cs:spPr>
+      <a:ln w="9525" cap="flat" cmpd="sng" algn="ctr">
+        <a:solidFill>
+          <a:schemeClr val="tx1">
+            <a:lumMod val="35000"/>
+            <a:lumOff val="65000"/>
+          </a:schemeClr>
+        </a:solidFill>
+        <a:round/>
+      </a:ln>
+    </cs:spPr>
+  </cs:dropLine>
+  <cs:errorBar>
+    <cs:lnRef idx="0"/>
+    <cs:fillRef idx="0"/>
+    <cs:effectRef idx="0"/>
+    <cs:fontRef idx="minor">
+      <a:schemeClr val="tx1"/>
+    </cs:fontRef>
+    <cs:spPr>
+      <a:ln w="9525" cap="flat" cmpd="sng" algn="ctr">
+        <a:solidFill>
+          <a:schemeClr val="tx1">
+            <a:lumMod val="65000"/>
+            <a:lumOff val="35000"/>
+          </a:schemeClr>
+        </a:solidFill>
+        <a:round/>
+      </a:ln>
+    </cs:spPr>
+  </cs:errorBar>
+  <cs:floor>
+    <cs:lnRef idx="0"/>
+    <cs:fillRef idx="0"/>
+    <cs:effectRef idx="0"/>
+    <cs:fontRef idx="minor">
+      <a:schemeClr val="tx1"/>
+    </cs:fontRef>
+    <cs:spPr>
+      <a:noFill/>
+      <a:ln>
+        <a:noFill/>
+      </a:ln>
+    </cs:spPr>
+  </cs:floor>
+  <cs:gridlineMajor>
+    <cs:lnRef idx="0"/>
+    <cs:fillRef idx="0"/>
+    <cs:effectRef idx="0"/>
+    <cs:fontRef idx="minor">
+      <a:schemeClr val="tx1"/>
+    </cs:fontRef>
+    <cs:spPr>
+      <a:ln w="9525" cap="flat" cmpd="sng" algn="ctr">
+        <a:solidFill>
+          <a:schemeClr val="tx1">
+            <a:lumMod val="15000"/>
+            <a:lumOff val="85000"/>
+          </a:schemeClr>
+        </a:solidFill>
+        <a:round/>
+      </a:ln>
+    </cs:spPr>
+  </cs:gridlineMajor>
+  <cs:gridlineMinor>
+    <cs:lnRef idx="0"/>
+    <cs:fillRef idx="0"/>
+    <cs:effectRef idx="0"/>
+    <cs:fontRef idx="minor">
+      <a:schemeClr val="tx1"/>
+    </cs:fontRef>
+    <cs:spPr>
+      <a:ln w="9525" cap="flat" cmpd="sng" algn="ctr">
+        <a:solidFill>
+          <a:schemeClr val="tx1">
+            <a:lumMod val="5000"/>
+            <a:lumOff val="95000"/>
+          </a:schemeClr>
+        </a:solidFill>
+        <a:round/>
+      </a:ln>
+    </cs:spPr>
+  </cs:gridlineMinor>
+  <cs:hiLoLine>
+    <cs:lnRef idx="0"/>
+    <cs:fillRef idx="0"/>
+    <cs:effectRef idx="0"/>
+    <cs:fontRef idx="minor">
+      <a:schemeClr val="tx1"/>
+    </cs:fontRef>
+    <cs:spPr>
+      <a:ln w="9525" cap="flat" cmpd="sng" algn="ctr">
+        <a:solidFill>
+          <a:schemeClr val="tx1">
+            <a:lumMod val="75000"/>
+            <a:lumOff val="25000"/>
+          </a:schemeClr>
+        </a:solidFill>
+        <a:round/>
+      </a:ln>
+    </cs:spPr>
+  </cs:hiLoLine>
+  <cs:leaderLine>
+    <cs:lnRef idx="0"/>
+    <cs:fillRef idx="0"/>
+    <cs:effectRef idx="0"/>
+    <cs:fontRef idx="minor">
+      <a:schemeClr val="tx1"/>
+    </cs:fontRef>
+    <cs:spPr>
+      <a:ln w="9525" cap="flat" cmpd="sng" algn="ctr">
+        <a:solidFill>
+          <a:schemeClr val="tx1">
+            <a:lumMod val="35000"/>
+            <a:lumOff val="65000"/>
+          </a:schemeClr>
+        </a:solidFill>
+        <a:round/>
+      </a:ln>
+    </cs:spPr>
+  </cs:leaderLine>
+  <cs:legend>
+    <cs:lnRef idx="0"/>
+    <cs:fillRef idx="0"/>
+    <cs:effectRef idx="0"/>
+    <cs:fontRef idx="minor">
+      <a:schemeClr val="tx1">
+        <a:lumMod val="65000"/>
+        <a:lumOff val="35000"/>
+      </a:schemeClr>
+    </cs:fontRef>
+    <cs:defRPr sz="1197" kern="1200"/>
+  </cs:legend>
+  <cs:plotArea mods="allowNoFillOverride allowNoLineOverride">
+    <cs:lnRef idx="0"/>
+    <cs:fillRef idx="0"/>
+    <cs:effectRef idx="0"/>
+    <cs:fontRef idx="minor">
+      <a:schemeClr val="tx1"/>
+    </cs:fontRef>
+  </cs:plotArea>
+  <cs:plotArea3D mods="allowNoFillOverride allowNoLineOverride">
+    <cs:lnRef idx="0"/>
+    <cs:fillRef idx="0"/>
+    <cs:effectRef idx="0"/>
+    <cs:fontRef idx="minor">
+      <a:schemeClr val="tx1"/>
+    </cs:fontRef>
+  </cs:plotArea3D>
+  <cs:seriesAxis>
+    <cs:lnRef idx="0"/>
+    <cs:fillRef idx="0"/>
+    <cs:effectRef idx="0"/>
+    <cs:fontRef idx="minor">
+      <a:schemeClr val="tx1">
+        <a:lumMod val="65000"/>
+        <a:lumOff val="35000"/>
+      </a:schemeClr>
+    </cs:fontRef>
+    <cs:defRPr sz="1197" kern="1200"/>
+  </cs:seriesAxis>
+  <cs:seriesLine>
+    <cs:lnRef idx="0"/>
+    <cs:fillRef idx="0"/>
+    <cs:effectRef idx="0"/>
+    <cs:fontRef idx="minor">
+      <a:schemeClr val="tx1"/>
+    </cs:fontRef>
+    <cs:spPr>
+      <a:ln w="9525" cap="flat" cmpd="sng" algn="ctr">
+        <a:solidFill>
+          <a:schemeClr val="tx1">
+            <a:lumMod val="35000"/>
+            <a:lumOff val="65000"/>
+          </a:schemeClr>
+        </a:solidFill>
+        <a:round/>
+      </a:ln>
+    </cs:spPr>
+  </cs:seriesLine>
+  <cs:title>
+    <cs:lnRef idx="0"/>
+    <cs:fillRef idx="0"/>
+    <cs:effectRef idx="0"/>
+    <cs:fontRef idx="minor">
+      <a:schemeClr val="tx1">
+        <a:lumMod val="65000"/>
+        <a:lumOff val="35000"/>
+      </a:schemeClr>
+    </cs:fontRef>
+    <cs:defRPr sz="1862" b="0" kern="1200" spc="0" baseline="0"/>
+  </cs:title>
+  <cs:trendline>
+    <cs:lnRef idx="0">
+      <cs:styleClr val="auto"/>
+    </cs:lnRef>
+    <cs:fillRef idx="0"/>
+    <cs:effectRef idx="0"/>
+    <cs:fontRef idx="minor">
+      <a:schemeClr val="tx1"/>
+    </cs:fontRef>
+    <cs:spPr>
+      <a:ln w="19050" cap="rnd">
+        <a:solidFill>
+          <a:schemeClr val="phClr"/>
+        </a:solidFill>
+        <a:prstDash val="sysDot"/>
+      </a:ln>
+    </cs:spPr>
+  </cs:trendline>
+  <cs:trendlineLabel>
+    <cs:lnRef idx="0"/>
+    <cs:fillRef idx="0"/>
+    <cs:effectRef idx="0"/>
+    <cs:fontRef idx="minor">
+      <a:schemeClr val="tx1">
+        <a:lumMod val="65000"/>
+        <a:lumOff val="35000"/>
+      </a:schemeClr>
+    </cs:fontRef>
+    <cs:defRPr sz="1197" kern="1200"/>
+  </cs:trendlineLabel>
+  <cs:upBar>
+    <cs:lnRef idx="0"/>
+    <cs:fillRef idx="0"/>
+    <cs:effectRef idx="0"/>
+    <cs:fontRef idx="minor">
+      <a:schemeClr val="dk1"/>
+    </cs:fontRef>
+    <cs:spPr>
+      <a:solidFill>
+        <a:schemeClr val="lt1"/>
+      </a:solidFill>
+      <a:ln w="9525">
+        <a:solidFill>
+          <a:schemeClr val="tx1">
+            <a:lumMod val="15000"/>
+            <a:lumOff val="85000"/>
+          </a:schemeClr>
+        </a:solidFill>
+      </a:ln>
+    </cs:spPr>
+  </cs:upBar>
+  <cs:valueAxis>
+    <cs:lnRef idx="0"/>
+    <cs:fillRef idx="0"/>
+    <cs:effectRef idx="0"/>
+    <cs:fontRef idx="minor">
+      <a:schemeClr val="tx1">
+        <a:lumMod val="65000"/>
+        <a:lumOff val="35000"/>
+      </a:schemeClr>
+    </cs:fontRef>
+    <cs:defRPr sz="1197" kern="1200"/>
+  </cs:valueAxis>
+  <cs:wall>
+    <cs:lnRef idx="0"/>
+    <cs:fillRef idx="0"/>
+    <cs:effectRef idx="0"/>
+    <cs:fontRef idx="minor">
+      <a:schemeClr val="tx1"/>
+    </cs:fontRef>
+    <cs:spPr>
+      <a:noFill/>
+      <a:ln>
+        <a:noFill/>
+      </a:ln>
+    </cs:spPr>
+  </cs:wall>
+</cs:chartStyle>
+</file>
+
+<file path=ppt/charts/style13.xml><?xml version="1.0" encoding="utf-8"?>
+<cs:chartStyle xmlns:cs="http://schemas.microsoft.com/office/drawing/2012/chartStyle" xmlns:a="http://schemas.openxmlformats.org/drawingml/2006/main" id="201">
+  <cs:axisTitle>
+    <cs:lnRef idx="0"/>
+    <cs:fillRef idx="0"/>
+    <cs:effectRef idx="0"/>
+    <cs:fontRef idx="minor">
+      <a:schemeClr val="tx1">
+        <a:lumMod val="65000"/>
+        <a:lumOff val="35000"/>
+      </a:schemeClr>
+    </cs:fontRef>
+    <cs:defRPr sz="1330" kern="1200"/>
+  </cs:axisTitle>
+  <cs:categoryAxis>
+    <cs:lnRef idx="0"/>
+    <cs:fillRef idx="0"/>
+    <cs:effectRef idx="0"/>
+    <cs:fontRef idx="minor">
+      <a:schemeClr val="tx1">
+        <a:lumMod val="65000"/>
+        <a:lumOff val="35000"/>
+      </a:schemeClr>
+    </cs:fontRef>
+    <cs:spPr>
+      <a:ln w="9525" cap="flat" cmpd="sng" algn="ctr">
+        <a:solidFill>
+          <a:schemeClr val="tx1">
+            <a:lumMod val="15000"/>
+            <a:lumOff val="85000"/>
+          </a:schemeClr>
+        </a:solidFill>
+        <a:round/>
+      </a:ln>
+    </cs:spPr>
+    <cs:defRPr sz="1197" kern="1200"/>
+  </cs:categoryAxis>
+  <cs:chartArea mods="allowNoFillOverride allowNoLineOverride">
+    <cs:lnRef idx="0"/>
+    <cs:fillRef idx="0"/>
+    <cs:effectRef idx="0"/>
+    <cs:fontRef idx="minor">
+      <a:schemeClr val="tx1"/>
+    </cs:fontRef>
+    <cs:spPr>
+      <a:solidFill>
+        <a:schemeClr val="bg1"/>
+      </a:solidFill>
+      <a:ln w="9525" cap="flat" cmpd="sng" algn="ctr">
+        <a:solidFill>
+          <a:schemeClr val="tx1">
+            <a:lumMod val="15000"/>
+            <a:lumOff val="85000"/>
+          </a:schemeClr>
+        </a:solidFill>
+        <a:round/>
+      </a:ln>
+    </cs:spPr>
+    <cs:defRPr sz="1330" kern="1200"/>
+  </cs:chartArea>
+  <cs:dataLabel>
+    <cs:lnRef idx="0"/>
+    <cs:fillRef idx="0"/>
+    <cs:effectRef idx="0"/>
+    <cs:fontRef idx="minor">
+      <a:schemeClr val="tx1">
+        <a:lumMod val="75000"/>
+        <a:lumOff val="25000"/>
+      </a:schemeClr>
+    </cs:fontRef>
+    <cs:defRPr sz="1197" kern="1200"/>
+  </cs:dataLabel>
+  <cs:dataLabelCallout>
+    <cs:lnRef idx="0"/>
+    <cs:fillRef idx="0"/>
+    <cs:effectRef idx="0"/>
+    <cs:fontRef idx="minor">
+      <a:schemeClr val="dk1">
+        <a:lumMod val="65000"/>
+        <a:lumOff val="35000"/>
+      </a:schemeClr>
+    </cs:fontRef>
+    <cs:spPr>
+      <a:solidFill>
+        <a:schemeClr val="lt1"/>
+      </a:solidFill>
+      <a:ln>
+        <a:solidFill>
+          <a:schemeClr val="dk1">
+            <a:lumMod val="25000"/>
+            <a:lumOff val="75000"/>
+          </a:schemeClr>
+        </a:solidFill>
+      </a:ln>
+    </cs:spPr>
+    <cs:defRPr sz="1197" kern="1200"/>
+    <cs:bodyPr rot="0" spcFirstLastPara="1" vertOverflow="clip" horzOverflow="clip" vert="horz" wrap="square" lIns="36576" tIns="18288" rIns="36576" bIns="18288" anchor="ctr" anchorCtr="1">
+      <a:spAutoFit/>
+    </cs:bodyPr>
+  </cs:dataLabelCallout>
+  <cs:dataPoint>
+    <cs:lnRef idx="0"/>
+    <cs:fillRef idx="1">
+      <cs:styleClr val="auto"/>
+    </cs:fillRef>
+    <cs:effectRef idx="0"/>
+    <cs:fontRef idx="minor">
+      <a:schemeClr val="tx1"/>
+    </cs:fontRef>
+  </cs:dataPoint>
+  <cs:dataPoint3D>
+    <cs:lnRef idx="0"/>
+    <cs:fillRef idx="1">
+      <cs:styleClr val="auto"/>
+    </cs:fillRef>
+    <cs:effectRef idx="0"/>
+    <cs:fontRef idx="minor">
+      <a:schemeClr val="tx1"/>
+    </cs:fontRef>
+  </cs:dataPoint3D>
+  <cs:dataPointLine>
+    <cs:lnRef idx="0">
+      <cs:styleClr val="auto"/>
+    </cs:lnRef>
+    <cs:fillRef idx="1"/>
+    <cs:effectRef idx="0"/>
+    <cs:fontRef idx="minor">
+      <a:schemeClr val="tx1"/>
+    </cs:fontRef>
+    <cs:spPr>
+      <a:ln w="28575" cap="rnd">
+        <a:solidFill>
+          <a:schemeClr val="phClr"/>
+        </a:solidFill>
+        <a:round/>
+      </a:ln>
+    </cs:spPr>
+  </cs:dataPointLine>
+  <cs:dataPointMarker>
+    <cs:lnRef idx="0">
+      <cs:styleClr val="auto"/>
+    </cs:lnRef>
+    <cs:fillRef idx="1">
+      <cs:styleClr val="auto"/>
+    </cs:fillRef>
+    <cs:effectRef idx="0"/>
+    <cs:fontRef idx="minor">
+      <a:schemeClr val="tx1"/>
+    </cs:fontRef>
+    <cs:spPr>
+      <a:ln w="9525">
+        <a:solidFill>
+          <a:schemeClr val="phClr"/>
+        </a:solidFill>
+      </a:ln>
+    </cs:spPr>
+  </cs:dataPointMarker>
+  <cs:dataPointMarkerLayout symbol="circle" size="5"/>
+  <cs:dataPointWireframe>
+    <cs:lnRef idx="0">
+      <cs:styleClr val="auto"/>
+    </cs:lnRef>
+    <cs:fillRef idx="1"/>
+    <cs:effectRef idx="0"/>
+    <cs:fontRef idx="minor">
+      <a:schemeClr val="tx1"/>
+    </cs:fontRef>
+    <cs:spPr>
+      <a:ln w="9525" cap="rnd">
+        <a:solidFill>
+          <a:schemeClr val="phClr"/>
+        </a:solidFill>
+        <a:round/>
+      </a:ln>
+    </cs:spPr>
+  </cs:dataPointWireframe>
+  <cs:dataTable>
+    <cs:lnRef idx="0"/>
+    <cs:fillRef idx="0"/>
+    <cs:effectRef idx="0"/>
+    <cs:fontRef idx="minor">
+      <a:schemeClr val="tx1">
+        <a:lumMod val="65000"/>
+        <a:lumOff val="35000"/>
+      </a:schemeClr>
+    </cs:fontRef>
+    <cs:spPr>
+      <a:noFill/>
+      <a:ln w="9525" cap="flat" cmpd="sng" algn="ctr">
+        <a:solidFill>
+          <a:schemeClr val="tx1">
+            <a:lumMod val="15000"/>
+            <a:lumOff val="85000"/>
+          </a:schemeClr>
+        </a:solidFill>
+        <a:round/>
+      </a:ln>
+    </cs:spPr>
+    <cs:defRPr sz="1197" kern="1200"/>
+  </cs:dataTable>
+  <cs:downBar>
+    <cs:lnRef idx="0"/>
+    <cs:fillRef idx="0"/>
+    <cs:effectRef idx="0"/>
+    <cs:fontRef idx="minor">
+      <a:schemeClr val="dk1"/>
+    </cs:fontRef>
+    <cs:spPr>
+      <a:solidFill>
+        <a:schemeClr val="dk1">
+          <a:lumMod val="65000"/>
+          <a:lumOff val="35000"/>
+        </a:schemeClr>
+      </a:solidFill>
+      <a:ln w="9525">
+        <a:solidFill>
+          <a:schemeClr val="tx1">
+            <a:lumMod val="65000"/>
+            <a:lumOff val="35000"/>
+          </a:schemeClr>
+        </a:solidFill>
+      </a:ln>
+    </cs:spPr>
+  </cs:downBar>
+  <cs:dropLine>
+    <cs:lnRef idx="0"/>
+    <cs:fillRef idx="0"/>
+    <cs:effectRef idx="0"/>
+    <cs:fontRef idx="minor">
+      <a:schemeClr val="tx1"/>
+    </cs:fontRef>
+    <cs:spPr>
+      <a:ln w="9525" cap="flat" cmpd="sng" algn="ctr">
+        <a:solidFill>
+          <a:schemeClr val="tx1">
+            <a:lumMod val="35000"/>
+            <a:lumOff val="65000"/>
+          </a:schemeClr>
+        </a:solidFill>
+        <a:round/>
+      </a:ln>
+    </cs:spPr>
+  </cs:dropLine>
+  <cs:errorBar>
+    <cs:lnRef idx="0"/>
+    <cs:fillRef idx="0"/>
+    <cs:effectRef idx="0"/>
+    <cs:fontRef idx="minor">
+      <a:schemeClr val="tx1"/>
+    </cs:fontRef>
+    <cs:spPr>
+      <a:ln w="9525" cap="flat" cmpd="sng" algn="ctr">
+        <a:solidFill>
+          <a:schemeClr val="tx1">
+            <a:lumMod val="65000"/>
+            <a:lumOff val="35000"/>
+          </a:schemeClr>
+        </a:solidFill>
+        <a:round/>
+      </a:ln>
+    </cs:spPr>
+  </cs:errorBar>
+  <cs:floor>
+    <cs:lnRef idx="0"/>
+    <cs:fillRef idx="0"/>
+    <cs:effectRef idx="0"/>
+    <cs:fontRef idx="minor">
+      <a:schemeClr val="tx1"/>
+    </cs:fontRef>
+    <cs:spPr>
+      <a:noFill/>
+      <a:ln>
+        <a:noFill/>
+      </a:ln>
+    </cs:spPr>
+  </cs:floor>
+  <cs:gridlineMajor>
+    <cs:lnRef idx="0"/>
+    <cs:fillRef idx="0"/>
+    <cs:effectRef idx="0"/>
+    <cs:fontRef idx="minor">
+      <a:schemeClr val="tx1"/>
+    </cs:fontRef>
+    <cs:spPr>
+      <a:ln w="9525" cap="flat" cmpd="sng" algn="ctr">
+        <a:solidFill>
+          <a:schemeClr val="tx1">
+            <a:lumMod val="15000"/>
+            <a:lumOff val="85000"/>
+          </a:schemeClr>
+        </a:solidFill>
+        <a:round/>
+      </a:ln>
+    </cs:spPr>
+  </cs:gridlineMajor>
+  <cs:gridlineMinor>
+    <cs:lnRef idx="0"/>
+    <cs:fillRef idx="0"/>
+    <cs:effectRef idx="0"/>
+    <cs:fontRef idx="minor">
+      <a:schemeClr val="tx1"/>
+    </cs:fontRef>
+    <cs:spPr>
+      <a:ln w="9525" cap="flat" cmpd="sng" algn="ctr">
+        <a:solidFill>
+          <a:schemeClr val="tx1">
+            <a:lumMod val="5000"/>
+            <a:lumOff val="95000"/>
+          </a:schemeClr>
+        </a:solidFill>
+        <a:round/>
+      </a:ln>
+    </cs:spPr>
+  </cs:gridlineMinor>
+  <cs:hiLoLine>
+    <cs:lnRef idx="0"/>
+    <cs:fillRef idx="0"/>
+    <cs:effectRef idx="0"/>
+    <cs:fontRef idx="minor">
+      <a:schemeClr val="tx1"/>
+    </cs:fontRef>
+    <cs:spPr>
+      <a:ln w="9525" cap="flat" cmpd="sng" algn="ctr">
+        <a:solidFill>
+          <a:schemeClr val="tx1">
+            <a:lumMod val="75000"/>
+            <a:lumOff val="25000"/>
+          </a:schemeClr>
+        </a:solidFill>
+        <a:round/>
+      </a:ln>
+    </cs:spPr>
+  </cs:hiLoLine>
+  <cs:leaderLine>
+    <cs:lnRef idx="0"/>
+    <cs:fillRef idx="0"/>
+    <cs:effectRef idx="0"/>
+    <cs:fontRef idx="minor">
+      <a:schemeClr val="tx1"/>
+    </cs:fontRef>
+    <cs:spPr>
+      <a:ln w="9525" cap="flat" cmpd="sng" algn="ctr">
+        <a:solidFill>
+          <a:schemeClr val="tx1">
+            <a:lumMod val="35000"/>
+            <a:lumOff val="65000"/>
+          </a:schemeClr>
+        </a:solidFill>
+        <a:round/>
+      </a:ln>
+    </cs:spPr>
+  </cs:leaderLine>
+  <cs:legend>
+    <cs:lnRef idx="0"/>
+    <cs:fillRef idx="0"/>
+    <cs:effectRef idx="0"/>
+    <cs:fontRef idx="minor">
+      <a:schemeClr val="tx1">
+        <a:lumMod val="65000"/>
+        <a:lumOff val="35000"/>
+      </a:schemeClr>
+    </cs:fontRef>
+    <cs:defRPr sz="1197" kern="1200"/>
+  </cs:legend>
+  <cs:plotArea mods="allowNoFillOverride allowNoLineOverride">
+    <cs:lnRef idx="0"/>
+    <cs:fillRef idx="0"/>
+    <cs:effectRef idx="0"/>
+    <cs:fontRef idx="minor">
+      <a:schemeClr val="tx1"/>
+    </cs:fontRef>
+  </cs:plotArea>
+  <cs:plotArea3D mods="allowNoFillOverride allowNoLineOverride">
+    <cs:lnRef idx="0"/>
+    <cs:fillRef idx="0"/>
+    <cs:effectRef idx="0"/>
+    <cs:fontRef idx="minor">
+      <a:schemeClr val="tx1"/>
+    </cs:fontRef>
+  </cs:plotArea3D>
+  <cs:seriesAxis>
+    <cs:lnRef idx="0"/>
+    <cs:fillRef idx="0"/>
+    <cs:effectRef idx="0"/>
+    <cs:fontRef idx="minor">
+      <a:schemeClr val="tx1">
+        <a:lumMod val="65000"/>
+        <a:lumOff val="35000"/>
+      </a:schemeClr>
+    </cs:fontRef>
+    <cs:defRPr sz="1197" kern="1200"/>
+  </cs:seriesAxis>
+  <cs:seriesLine>
+    <cs:lnRef idx="0"/>
+    <cs:fillRef idx="0"/>
+    <cs:effectRef idx="0"/>
+    <cs:fontRef idx="minor">
+      <a:schemeClr val="tx1"/>
+    </cs:fontRef>
+    <cs:spPr>
+      <a:ln w="9525" cap="flat" cmpd="sng" algn="ctr">
+        <a:solidFill>
+          <a:schemeClr val="tx1">
+            <a:lumMod val="35000"/>
+            <a:lumOff val="65000"/>
+          </a:schemeClr>
+        </a:solidFill>
+        <a:round/>
+      </a:ln>
+    </cs:spPr>
+  </cs:seriesLine>
+  <cs:title>
+    <cs:lnRef idx="0"/>
+    <cs:fillRef idx="0"/>
+    <cs:effectRef idx="0"/>
+    <cs:fontRef idx="minor">
+      <a:schemeClr val="tx1">
+        <a:lumMod val="65000"/>
+        <a:lumOff val="35000"/>
+      </a:schemeClr>
+    </cs:fontRef>
+    <cs:defRPr sz="1862" b="0" kern="1200" spc="0" baseline="0"/>
+  </cs:title>
+  <cs:trendline>
+    <cs:lnRef idx="0">
+      <cs:styleClr val="auto"/>
+    </cs:lnRef>
+    <cs:fillRef idx="0"/>
+    <cs:effectRef idx="0"/>
+    <cs:fontRef idx="minor">
+      <a:schemeClr val="tx1"/>
+    </cs:fontRef>
+    <cs:spPr>
+      <a:ln w="19050" cap="rnd">
+        <a:solidFill>
+          <a:schemeClr val="phClr"/>
+        </a:solidFill>
+        <a:prstDash val="sysDot"/>
+      </a:ln>
+    </cs:spPr>
+  </cs:trendline>
+  <cs:trendlineLabel>
+    <cs:lnRef idx="0"/>
+    <cs:fillRef idx="0"/>
+    <cs:effectRef idx="0"/>
+    <cs:fontRef idx="minor">
+      <a:schemeClr val="tx1">
+        <a:lumMod val="65000"/>
+        <a:lumOff val="35000"/>
+      </a:schemeClr>
+    </cs:fontRef>
+    <cs:defRPr sz="1197" kern="1200"/>
+  </cs:trendlineLabel>
+  <cs:upBar>
+    <cs:lnRef idx="0"/>
+    <cs:fillRef idx="0"/>
+    <cs:effectRef idx="0"/>
+    <cs:fontRef idx="minor">
+      <a:schemeClr val="dk1"/>
+    </cs:fontRef>
+    <cs:spPr>
+      <a:solidFill>
+        <a:schemeClr val="lt1"/>
+      </a:solidFill>
+      <a:ln w="9525">
+        <a:solidFill>
+          <a:schemeClr val="tx1">
+            <a:lumMod val="15000"/>
+            <a:lumOff val="85000"/>
+          </a:schemeClr>
+        </a:solidFill>
+      </a:ln>
+    </cs:spPr>
+  </cs:upBar>
+  <cs:valueAxis>
+    <cs:lnRef idx="0"/>
+    <cs:fillRef idx="0"/>
+    <cs:effectRef idx="0"/>
+    <cs:fontRef idx="minor">
+      <a:schemeClr val="tx1">
+        <a:lumMod val="65000"/>
+        <a:lumOff val="35000"/>
+      </a:schemeClr>
+    </cs:fontRef>
+    <cs:defRPr sz="1197" kern="1200"/>
+  </cs:valueAxis>
+  <cs:wall>
+    <cs:lnRef idx="0"/>
+    <cs:fillRef idx="0"/>
+    <cs:effectRef idx="0"/>
+    <cs:fontRef idx="minor">
+      <a:schemeClr val="tx1"/>
+    </cs:fontRef>
+    <cs:spPr>
+      <a:noFill/>
+      <a:ln>
+        <a:noFill/>
+      </a:ln>
+    </cs:spPr>
+  </cs:wall>
+</cs:chartStyle>
+</file>
+
 <file path=ppt/charts/style2.xml><?xml version="1.0" encoding="utf-8"?>
 <cs:chartStyle xmlns:cs="http://schemas.microsoft.com/office/drawing/2012/chartStyle" xmlns:a="http://schemas.openxmlformats.org/drawingml/2006/main" id="201">
   <cs:axisTitle>
@@ -8284,7 +11674,7 @@
             <a:fld id="{5923F103-BC34-4FE4-A40E-EDDEECFDA5D0}" type="datetimeFigureOut">
               <a:rPr lang="en-US" dirty="0"/>
               <a:pPr/>
-              <a:t>16-Nov-20</a:t>
+              <a:t>17-Nov-20</a:t>
             </a:fld>
             <a:endParaRPr lang="en-US" dirty="0"/>
           </a:p>
@@ -9368,7 +12758,7 @@
           <a:p>
             <a:fld id="{923A1CC3-2375-41D4-9E03-427CAF2A4C1A}" type="datetimeFigureOut">
               <a:rPr lang="en-US" dirty="0"/>
-              <a:t>16-Nov-20</a:t>
+              <a:t>17-Nov-20</a:t>
             </a:fld>
             <a:endParaRPr lang="en-US" dirty="0"/>
           </a:p>
@@ -10344,7 +13734,7 @@
           <a:p>
             <a:fld id="{AFF16868-8199-4C2C-A5B1-63AEE139F88E}" type="datetimeFigureOut">
               <a:rPr lang="en-US" dirty="0"/>
-              <a:t>16-Nov-20</a:t>
+              <a:t>17-Nov-20</a:t>
             </a:fld>
             <a:endParaRPr lang="en-US" dirty="0"/>
           </a:p>
@@ -11474,7 +14864,7 @@
           <a:p>
             <a:fld id="{AAD9FF7F-6988-44CC-821B-644E70CD2F73}" type="datetimeFigureOut">
               <a:rPr lang="en-US" dirty="0"/>
-              <a:t>16-Nov-20</a:t>
+              <a:t>17-Nov-20</a:t>
             </a:fld>
             <a:endParaRPr lang="en-US" dirty="0"/>
           </a:p>
@@ -12503,7 +15893,7 @@
           <a:p>
             <a:fld id="{5C12C299-16B2-4475-990D-751901EACC14}" type="datetimeFigureOut">
               <a:rPr lang="en-US" dirty="0"/>
-              <a:t>16-Nov-20</a:t>
+              <a:t>17-Nov-20</a:t>
             </a:fld>
             <a:endParaRPr lang="en-US" dirty="0"/>
           </a:p>
@@ -13159,7 +16549,7 @@
           <a:p>
             <a:fld id="{9FE86839-B9D8-4651-8783-F325ECE74E65}" type="datetimeFigureOut">
               <a:rPr lang="en-US" dirty="0"/>
-              <a:t>16-Nov-20</a:t>
+              <a:t>17-Nov-20</a:t>
             </a:fld>
             <a:endParaRPr lang="en-US" dirty="0"/>
           </a:p>
@@ -14016,7 +17406,7 @@
           <a:p>
             <a:fld id="{FD484F64-32F6-45C5-931F-ADC1662401D0}" type="datetimeFigureOut">
               <a:rPr lang="en-US" dirty="0"/>
-              <a:t>16-Nov-20</a:t>
+              <a:t>17-Nov-20</a:t>
             </a:fld>
             <a:endParaRPr lang="en-US" dirty="0"/>
           </a:p>
@@ -14202,7 +17592,7 @@
           <a:p>
             <a:fld id="{53086D93-FCAC-47E0-A2EE-787E62CA814C}" type="datetimeFigureOut">
               <a:rPr lang="en-US" dirty="0"/>
-              <a:t>16-Nov-20</a:t>
+              <a:t>17-Nov-20</a:t>
             </a:fld>
             <a:endParaRPr lang="en-US" dirty="0"/>
           </a:p>
@@ -15170,7 +18560,7 @@
           <a:p>
             <a:fld id="{CDA879A6-0FD0-4734-A311-86BFCA472E6E}" type="datetimeFigureOut">
               <a:rPr lang="en-US" dirty="0"/>
-              <a:t>16-Nov-20</a:t>
+              <a:t>17-Nov-20</a:t>
             </a:fld>
             <a:endParaRPr lang="en-US" dirty="0"/>
           </a:p>
@@ -15377,7 +18767,7 @@
           <a:p>
             <a:fld id="{19C9CA7B-DFD4-44B5-8C60-D14B8CD1FB59}" type="datetimeFigureOut">
               <a:rPr lang="en-US" dirty="0"/>
-              <a:t>16-Nov-20</a:t>
+              <a:t>17-Nov-20</a:t>
             </a:fld>
             <a:endParaRPr lang="en-US" dirty="0"/>
           </a:p>
@@ -16407,7 +19797,7 @@
           <a:p>
             <a:fld id="{F34E6425-0181-43F2-84FC-787E803FD2F8}" type="datetimeFigureOut">
               <a:rPr lang="en-US" dirty="0"/>
-              <a:t>16-Nov-20</a:t>
+              <a:t>17-Nov-20</a:t>
             </a:fld>
             <a:endParaRPr lang="en-US" dirty="0"/>
           </a:p>
@@ -16675,7 +20065,7 @@
           <a:p>
             <a:fld id="{3BDB8791-F1B0-41E7-B7FD-A781E65C4266}" type="datetimeFigureOut">
               <a:rPr lang="en-US" dirty="0"/>
-              <a:t>16-Nov-20</a:t>
+              <a:t>17-Nov-20</a:t>
             </a:fld>
             <a:endParaRPr lang="en-US" dirty="0"/>
           </a:p>
@@ -17081,7 +20471,7 @@
           <a:p>
             <a:fld id="{5FDD63B2-E120-4ED8-B27B-C685F510A5FE}" type="datetimeFigureOut">
               <a:rPr lang="en-US" dirty="0"/>
-              <a:t>16-Nov-20</a:t>
+              <a:t>17-Nov-20</a:t>
             </a:fld>
             <a:endParaRPr lang="en-US" dirty="0"/>
           </a:p>
@@ -17204,7 +20594,7 @@
           <a:p>
             <a:fld id="{7AA18ACC-A947-437B-A130-35BD54FDF1E9}" type="datetimeFigureOut">
               <a:rPr lang="en-US" dirty="0"/>
-              <a:t>16-Nov-20</a:t>
+              <a:t>17-Nov-20</a:t>
             </a:fld>
             <a:endParaRPr lang="en-US" dirty="0"/>
           </a:p>
@@ -17295,7 +20685,7 @@
           <a:p>
             <a:fld id="{7C8D7E02-BCB8-4D50-A234-369438C08659}" type="datetimeFigureOut">
               <a:rPr lang="en-US" dirty="0"/>
-              <a:t>16-Nov-20</a:t>
+              <a:t>17-Nov-20</a:t>
             </a:fld>
             <a:endParaRPr lang="en-US" dirty="0"/>
           </a:p>
@@ -18372,7 +21762,7 @@
           <a:p>
             <a:fld id="{76E86A4C-8E40-4F87-A4F0-01A0687C5742}" type="datetimeFigureOut">
               <a:rPr lang="en-US" dirty="0"/>
-              <a:t>16-Nov-20</a:t>
+              <a:t>17-Nov-20</a:t>
             </a:fld>
             <a:endParaRPr lang="en-US" dirty="0"/>
           </a:p>
@@ -19476,7 +22866,7 @@
           <a:p>
             <a:fld id="{35E72C73-2D91-4E12-BA25-F0AA0C03599B}" type="datetimeFigureOut">
               <a:rPr lang="en-US" dirty="0"/>
-              <a:t>16-Nov-20</a:t>
+              <a:t>17-Nov-20</a:t>
             </a:fld>
             <a:endParaRPr lang="en-US" dirty="0"/>
           </a:p>
@@ -20469,7 +23859,7 @@
           <a:p>
             <a:fld id="{2BE451C3-0FF4-47C4-B829-773ADF60F88C}" type="datetimeFigureOut">
               <a:rPr lang="en-US" dirty="0"/>
-              <a:t>16-Nov-20</a:t>
+              <a:t>17-Nov-20</a:t>
             </a:fld>
             <a:endParaRPr lang="en-US" dirty="0"/>
           </a:p>
@@ -21737,6 +25127,215 @@
 </p:sld>
 </file>
 
+<file path=ppt/slides/slide8.xml><?xml version="1.0" encoding="utf-8"?>
+<p:sld xmlns:a="http://schemas.openxmlformats.org/drawingml/2006/main" xmlns:r="http://schemas.openxmlformats.org/officeDocument/2006/relationships" xmlns:p="http://schemas.openxmlformats.org/presentationml/2006/main">
+  <p:cSld>
+    <p:spTree>
+      <p:nvGrpSpPr>
+        <p:cNvPr id="1" name=""/>
+        <p:cNvGrpSpPr/>
+        <p:nvPr/>
+      </p:nvGrpSpPr>
+      <p:grpSpPr>
+        <a:xfrm>
+          <a:off x="0" y="0"/>
+          <a:ext cx="0" cy="0"/>
+          <a:chOff x="0" y="0"/>
+          <a:chExt cx="0" cy="0"/>
+        </a:xfrm>
+      </p:grpSpPr>
+      <p:sp>
+        <p:nvSpPr>
+          <p:cNvPr id="2" name="Title 1">
+            <a:extLst>
+              <a:ext uri="{FF2B5EF4-FFF2-40B4-BE49-F238E27FC236}">
+                <a16:creationId xmlns:a16="http://schemas.microsoft.com/office/drawing/2014/main" id="{197227CB-D6F4-461D-9115-05CB4E01C886}"/>
+              </a:ext>
+            </a:extLst>
+          </p:cNvPr>
+          <p:cNvSpPr>
+            <a:spLocks noGrp="1"/>
+          </p:cNvSpPr>
+          <p:nvPr>
+            <p:ph type="title"/>
+          </p:nvPr>
+        </p:nvSpPr>
+        <p:spPr/>
+        <p:txBody>
+          <a:bodyPr/>
+          <a:lstStyle/>
+          <a:p>
+            <a:r>
+              <a:rPr lang="en-US" dirty="0"/>
+              <a:t>Scaled Up GBFS</a:t>
+            </a:r>
+          </a:p>
+        </p:txBody>
+      </p:sp>
+      <p:sp>
+        <p:nvSpPr>
+          <p:cNvPr id="3" name="Content Placeholder 2">
+            <a:extLst>
+              <a:ext uri="{FF2B5EF4-FFF2-40B4-BE49-F238E27FC236}">
+                <a16:creationId xmlns:a16="http://schemas.microsoft.com/office/drawing/2014/main" id="{5A8B55FD-269C-42D4-BC5A-B3CB3E453CFD}"/>
+              </a:ext>
+            </a:extLst>
+          </p:cNvPr>
+          <p:cNvSpPr>
+            <a:spLocks noGrp="1"/>
+          </p:cNvSpPr>
+          <p:nvPr>
+            <p:ph idx="1"/>
+          </p:nvPr>
+        </p:nvSpPr>
+        <p:spPr>
+          <a:xfrm>
+            <a:off x="811006" y="2234385"/>
+            <a:ext cx="3727439" cy="825500"/>
+          </a:xfrm>
+        </p:spPr>
+        <p:txBody>
+          <a:bodyPr/>
+          <a:lstStyle/>
+          <a:p>
+            <a:r>
+              <a:rPr lang="en-US" dirty="0"/>
+              <a:t>2x8 puzzle</a:t>
+            </a:r>
+          </a:p>
+          <a:p>
+            <a:r>
+              <a:rPr lang="en-US" dirty="0"/>
+              <a:t>Hamming distance heuristic</a:t>
+            </a:r>
+          </a:p>
+        </p:txBody>
+      </p:sp>
+      <p:graphicFrame>
+        <p:nvGraphicFramePr>
+          <p:cNvPr id="6" name="Chart 5">
+            <a:extLst>
+              <a:ext uri="{FF2B5EF4-FFF2-40B4-BE49-F238E27FC236}">
+                <a16:creationId xmlns:a16="http://schemas.microsoft.com/office/drawing/2014/main" id="{01A1E65A-6A69-46C8-9EA5-A3D1D1597E68}"/>
+              </a:ext>
+            </a:extLst>
+          </p:cNvPr>
+          <p:cNvGraphicFramePr/>
+          <p:nvPr>
+            <p:extLst>
+              <p:ext uri="{D42A27DB-BD31-4B8C-83A1-F6EECF244321}">
+                <p14:modId xmlns:p14="http://schemas.microsoft.com/office/powerpoint/2010/main" val="2866697949"/>
+              </p:ext>
+            </p:extLst>
+          </p:nvPr>
+        </p:nvGraphicFramePr>
+        <p:xfrm>
+          <a:off x="811007" y="3313651"/>
+          <a:ext cx="2745925" cy="3078760"/>
+        </p:xfrm>
+        <a:graphic>
+          <a:graphicData uri="http://schemas.openxmlformats.org/drawingml/2006/chart">
+            <c:chart xmlns:c="http://schemas.openxmlformats.org/drawingml/2006/chart" xmlns:r="http://schemas.openxmlformats.org/officeDocument/2006/relationships" r:id="rId2"/>
+          </a:graphicData>
+        </a:graphic>
+      </p:graphicFrame>
+      <p:graphicFrame>
+        <p:nvGraphicFramePr>
+          <p:cNvPr id="8" name="Chart 7">
+            <a:extLst>
+              <a:ext uri="{FF2B5EF4-FFF2-40B4-BE49-F238E27FC236}">
+                <a16:creationId xmlns:a16="http://schemas.microsoft.com/office/drawing/2014/main" id="{0B27C7DA-9E89-4BA4-BEF7-590EB88E6747}"/>
+              </a:ext>
+            </a:extLst>
+          </p:cNvPr>
+          <p:cNvGraphicFramePr/>
+          <p:nvPr>
+            <p:extLst>
+              <p:ext uri="{D42A27DB-BD31-4B8C-83A1-F6EECF244321}">
+                <p14:modId xmlns:p14="http://schemas.microsoft.com/office/powerpoint/2010/main" val="3999379289"/>
+              </p:ext>
+            </p:extLst>
+          </p:nvPr>
+        </p:nvGraphicFramePr>
+        <p:xfrm>
+          <a:off x="3556932" y="3313651"/>
+          <a:ext cx="2745925" cy="3078760"/>
+        </p:xfrm>
+        <a:graphic>
+          <a:graphicData uri="http://schemas.openxmlformats.org/drawingml/2006/chart">
+            <c:chart xmlns:c="http://schemas.openxmlformats.org/drawingml/2006/chart" xmlns:r="http://schemas.openxmlformats.org/officeDocument/2006/relationships" r:id="rId3"/>
+          </a:graphicData>
+        </a:graphic>
+      </p:graphicFrame>
+      <p:graphicFrame>
+        <p:nvGraphicFramePr>
+          <p:cNvPr id="10" name="Chart 9">
+            <a:extLst>
+              <a:ext uri="{FF2B5EF4-FFF2-40B4-BE49-F238E27FC236}">
+                <a16:creationId xmlns:a16="http://schemas.microsoft.com/office/drawing/2014/main" id="{A10D41FC-7718-4CC2-91F7-4E18B386715B}"/>
+              </a:ext>
+            </a:extLst>
+          </p:cNvPr>
+          <p:cNvGraphicFramePr/>
+          <p:nvPr>
+            <p:extLst>
+              <p:ext uri="{D42A27DB-BD31-4B8C-83A1-F6EECF244321}">
+                <p14:modId xmlns:p14="http://schemas.microsoft.com/office/powerpoint/2010/main" val="37831543"/>
+              </p:ext>
+            </p:extLst>
+          </p:nvPr>
+        </p:nvGraphicFramePr>
+        <p:xfrm>
+          <a:off x="6096000" y="3313651"/>
+          <a:ext cx="2745925" cy="3078760"/>
+        </p:xfrm>
+        <a:graphic>
+          <a:graphicData uri="http://schemas.openxmlformats.org/drawingml/2006/chart">
+            <c:chart xmlns:c="http://schemas.openxmlformats.org/drawingml/2006/chart" xmlns:r="http://schemas.openxmlformats.org/officeDocument/2006/relationships" r:id="rId4"/>
+          </a:graphicData>
+        </a:graphic>
+      </p:graphicFrame>
+      <p:graphicFrame>
+        <p:nvGraphicFramePr>
+          <p:cNvPr id="12" name="Chart 11">
+            <a:extLst>
+              <a:ext uri="{FF2B5EF4-FFF2-40B4-BE49-F238E27FC236}">
+                <a16:creationId xmlns:a16="http://schemas.microsoft.com/office/drawing/2014/main" id="{29D30394-782A-463A-97AF-4E74EDFAE381}"/>
+              </a:ext>
+            </a:extLst>
+          </p:cNvPr>
+          <p:cNvGraphicFramePr/>
+          <p:nvPr>
+            <p:extLst>
+              <p:ext uri="{D42A27DB-BD31-4B8C-83A1-F6EECF244321}">
+                <p14:modId xmlns:p14="http://schemas.microsoft.com/office/powerpoint/2010/main" val="362467047"/>
+              </p:ext>
+            </p:extLst>
+          </p:nvPr>
+        </p:nvGraphicFramePr>
+        <p:xfrm>
+          <a:off x="8841925" y="3313651"/>
+          <a:ext cx="2745925" cy="3078760"/>
+        </p:xfrm>
+        <a:graphic>
+          <a:graphicData uri="http://schemas.openxmlformats.org/drawingml/2006/chart">
+            <c:chart xmlns:c="http://schemas.openxmlformats.org/drawingml/2006/chart" xmlns:r="http://schemas.openxmlformats.org/officeDocument/2006/relationships" r:id="rId5"/>
+          </a:graphicData>
+        </a:graphic>
+      </p:graphicFrame>
+    </p:spTree>
+    <p:extLst>
+      <p:ext uri="{BB962C8B-B14F-4D97-AF65-F5344CB8AC3E}">
+        <p14:creationId xmlns:p14="http://schemas.microsoft.com/office/powerpoint/2010/main" val="3209310868"/>
+      </p:ext>
+    </p:extLst>
+  </p:cSld>
+  <p:clrMapOvr>
+    <a:masterClrMapping/>
+  </p:clrMapOvr>
+</p:sld>
+</file>
+
 <file path=ppt/theme/theme1.xml><?xml version="1.0" encoding="utf-8"?>
 <a:theme xmlns:a="http://schemas.openxmlformats.org/drawingml/2006/main" name="Ion Boardroom">
   <a:themeElements>
